--- a/ppt/IoT19-MicropythonDev.pptx
+++ b/ppt/IoT19-MicropythonDev.pptx
@@ -5,10 +5,10 @@
     <p:sldMasterId id="2147483653" r:id="rId1"/>
   </p:sldMasterIdLst>
   <p:notesMasterIdLst>
-    <p:notesMasterId r:id="rId29"/>
+    <p:notesMasterId r:id="rId31"/>
   </p:notesMasterIdLst>
   <p:handoutMasterIdLst>
-    <p:handoutMasterId r:id="rId30"/>
+    <p:handoutMasterId r:id="rId32"/>
   </p:handoutMasterIdLst>
   <p:sldIdLst>
     <p:sldId id="264" r:id="rId2"/>
@@ -23,21 +23,23 @@
     <p:sldId id="274" r:id="rId11"/>
     <p:sldId id="297" r:id="rId12"/>
     <p:sldId id="304" r:id="rId13"/>
-    <p:sldId id="291" r:id="rId14"/>
-    <p:sldId id="300" r:id="rId15"/>
-    <p:sldId id="277" r:id="rId16"/>
-    <p:sldId id="278" r:id="rId17"/>
-    <p:sldId id="294" r:id="rId18"/>
-    <p:sldId id="301" r:id="rId19"/>
-    <p:sldId id="296" r:id="rId20"/>
-    <p:sldId id="289" r:id="rId21"/>
-    <p:sldId id="302" r:id="rId22"/>
-    <p:sldId id="303" r:id="rId23"/>
-    <p:sldId id="279" r:id="rId24"/>
-    <p:sldId id="295" r:id="rId25"/>
-    <p:sldId id="305" r:id="rId26"/>
-    <p:sldId id="306" r:id="rId27"/>
-    <p:sldId id="307" r:id="rId28"/>
+    <p:sldId id="308" r:id="rId14"/>
+    <p:sldId id="291" r:id="rId15"/>
+    <p:sldId id="300" r:id="rId16"/>
+    <p:sldId id="277" r:id="rId17"/>
+    <p:sldId id="278" r:id="rId18"/>
+    <p:sldId id="294" r:id="rId19"/>
+    <p:sldId id="301" r:id="rId20"/>
+    <p:sldId id="296" r:id="rId21"/>
+    <p:sldId id="289" r:id="rId22"/>
+    <p:sldId id="302" r:id="rId23"/>
+    <p:sldId id="303" r:id="rId24"/>
+    <p:sldId id="279" r:id="rId25"/>
+    <p:sldId id="295" r:id="rId26"/>
+    <p:sldId id="305" r:id="rId27"/>
+    <p:sldId id="306" r:id="rId28"/>
+    <p:sldId id="307" r:id="rId29"/>
+    <p:sldId id="309" r:id="rId30"/>
   </p:sldIdLst>
   <p:sldSz cx="9144000" cy="6858000" type="screen4x3"/>
   <p:notesSz cx="6648450" cy="9782175"/>
@@ -4142,7 +4144,7 @@
           <p:cNvPr id="2" name="Titre 1">
             <a:extLst>
               <a:ext uri="{FF2B5EF4-FFF2-40B4-BE49-F238E27FC236}">
-                <a16:creationId xmlns:a16="http://schemas.microsoft.com/office/drawing/2014/main" id="{DE878817-F317-50C9-A887-FC7421977DED}"/>
+                <a16:creationId xmlns:a16="http://schemas.microsoft.com/office/drawing/2014/main" id="{109155E9-65EF-75B3-9053-E1A4EA6A2915}"/>
               </a:ext>
             </a:extLst>
           </p:cNvPr>
@@ -4160,7 +4162,7 @@
           <a:p>
             <a:r>
               <a:rPr lang="fr-FR" dirty="0"/>
-              <a:t>Ports Analogiques</a:t>
+              <a:t>Autres capteurs digitaux</a:t>
             </a:r>
           </a:p>
         </p:txBody>
@@ -4170,7 +4172,7 @@
           <p:cNvPr id="3" name="Espace réservé du contenu 2">
             <a:extLst>
               <a:ext uri="{FF2B5EF4-FFF2-40B4-BE49-F238E27FC236}">
-                <a16:creationId xmlns:a16="http://schemas.microsoft.com/office/drawing/2014/main" id="{1C3A44BC-6BAB-F234-FC6A-2901CF08578A}"/>
+                <a16:creationId xmlns:a16="http://schemas.microsoft.com/office/drawing/2014/main" id="{B3606C14-3052-0AF9-12A1-36708BCD9F3C}"/>
               </a:ext>
             </a:extLst>
           </p:cNvPr>
@@ -4187,89 +4189,83 @@
           <a:lstStyle/>
           <a:p>
             <a:r>
-              <a:rPr lang="fr-FR" dirty="0"/>
-              <a:t>ADC</a:t>
-            </a:r>
-          </a:p>
-          <a:p>
-            <a:pPr lvl="1"/>
-            <a:r>
               <a:rPr lang="fr-FR" dirty="0" err="1"/>
-              <a:t>Analog</a:t>
-            </a:r>
-            <a:r>
-              <a:rPr lang="fr-FR" dirty="0"/>
-              <a:t> to Digital Conversion</a:t>
-            </a:r>
-          </a:p>
-          <a:p>
-            <a:pPr lvl="1"/>
-            <a:r>
-              <a:rPr lang="fr-FR" dirty="0"/>
-              <a:t>Sur ESP32 disponible sur : 4, 12-15, 25-27, 32-39</a:t>
-            </a:r>
-          </a:p>
-          <a:p>
-            <a:r>
-              <a:rPr lang="fr-FR" dirty="0"/>
-              <a:t>Permet d'avoir une valeur analogique sur 12 bits</a:t>
-            </a:r>
-          </a:p>
-          <a:p>
-            <a:pPr lvl="1"/>
-            <a:r>
-              <a:rPr lang="fr-FR" dirty="0"/>
-              <a:t>Entre 0 et 4096</a:t>
-            </a:r>
-          </a:p>
-          <a:p>
-            <a:pPr lvl="1"/>
-            <a:r>
-              <a:rPr lang="fr-FR" dirty="0"/>
-              <a:t>0 correspond à 0V</a:t>
-            </a:r>
-          </a:p>
-          <a:p>
-            <a:pPr lvl="1"/>
-            <a:r>
-              <a:rPr lang="fr-FR" dirty="0"/>
-              <a:t>4096 correspond ~= 1V</a:t>
-            </a:r>
-          </a:p>
-          <a:p>
-            <a:pPr lvl="1"/>
-            <a:r>
-              <a:rPr lang="fr-FR" dirty="0"/>
-              <a:t>Par de port analogique en Output</a:t>
-            </a:r>
-          </a:p>
-          <a:p>
-            <a:pPr lvl="1"/>
-            <a:r>
-              <a:rPr lang="fr-FR" dirty="0"/>
-              <a:t>Remplacé par des PWM</a:t>
-            </a:r>
-          </a:p>
-          <a:p>
-            <a:pPr lvl="1"/>
-            <a:r>
-              <a:rPr lang="fr-FR" dirty="0"/>
-              <a:t>Beaucoup moins précis que sur Arduino</a:t>
-            </a:r>
-          </a:p>
-          <a:p>
-            <a:pPr lvl="1"/>
-            <a:r>
-              <a:rPr lang="fr-FR" dirty="0"/>
-              <a:t>Préférer les bus</a:t>
-            </a:r>
-          </a:p>
-        </p:txBody>
-      </p:sp>
+              <a:t>Photosensitive</a:t>
+            </a:r>
+            <a:endParaRPr lang="fr-FR" dirty="0"/>
+          </a:p>
+          <a:p>
+            <a:r>
+              <a:rPr lang="fr-FR" dirty="0"/>
+              <a:t>Capteur de proximité</a:t>
+            </a:r>
+          </a:p>
+        </p:txBody>
+      </p:sp>
+      <p:pic>
+        <p:nvPicPr>
+          <p:cNvPr id="5" name="Image 4">
+            <a:extLst>
+              <a:ext uri="{FF2B5EF4-FFF2-40B4-BE49-F238E27FC236}">
+                <a16:creationId xmlns:a16="http://schemas.microsoft.com/office/drawing/2014/main" id="{E7D292D3-9451-CD3A-2F38-6F7090CE7532}"/>
+              </a:ext>
+            </a:extLst>
+          </p:cNvPr>
+          <p:cNvPicPr>
+            <a:picLocks noChangeAspect="1"/>
+          </p:cNvPicPr>
+          <p:nvPr/>
+        </p:nvPicPr>
+        <p:blipFill>
+          <a:blip r:embed="rId2"/>
+          <a:stretch>
+            <a:fillRect/>
+          </a:stretch>
+        </p:blipFill>
+        <p:spPr>
+          <a:xfrm>
+            <a:off x="467544" y="3140968"/>
+            <a:ext cx="2887057" cy="2090469"/>
+          </a:xfrm>
+          <a:prstGeom prst="rect">
+            <a:avLst/>
+          </a:prstGeom>
+        </p:spPr>
+      </p:pic>
+      <p:pic>
+        <p:nvPicPr>
+          <p:cNvPr id="7" name="Image 6">
+            <a:extLst>
+              <a:ext uri="{FF2B5EF4-FFF2-40B4-BE49-F238E27FC236}">
+                <a16:creationId xmlns:a16="http://schemas.microsoft.com/office/drawing/2014/main" id="{443BF657-8C6C-B368-B2E4-62041A76602C}"/>
+              </a:ext>
+            </a:extLst>
+          </p:cNvPr>
+          <p:cNvPicPr>
+            <a:picLocks noChangeAspect="1"/>
+          </p:cNvPicPr>
+          <p:nvPr/>
+        </p:nvPicPr>
+        <p:blipFill>
+          <a:blip r:embed="rId3"/>
+          <a:stretch>
+            <a:fillRect/>
+          </a:stretch>
+        </p:blipFill>
+        <p:spPr>
+          <a:xfrm>
+            <a:off x="5220072" y="2924944"/>
+            <a:ext cx="2267975" cy="2739662"/>
+          </a:xfrm>
+          <a:prstGeom prst="rect">
+            <a:avLst/>
+          </a:prstGeom>
+        </p:spPr>
+      </p:pic>
     </p:spTree>
     <p:extLst>
       <p:ext uri="{BB962C8B-B14F-4D97-AF65-F5344CB8AC3E}">
-        <p14:creationId xmlns:p14="http://schemas.microsoft.com/office/powerpoint/2010/main" val="4045125591"/>
+        <p14:creationId xmlns:p14="http://schemas.microsoft.com/office/powerpoint/2010/main" val="1714861776"/>
       </p:ext>
     </p:extLst>
   </p:cSld>
@@ -4301,7 +4297,7 @@
           <p:cNvPr id="2" name="Titre 1">
             <a:extLst>
               <a:ext uri="{FF2B5EF4-FFF2-40B4-BE49-F238E27FC236}">
-                <a16:creationId xmlns:a16="http://schemas.microsoft.com/office/drawing/2014/main" id="{170BF76D-DA79-AC22-60B2-D3A8C3A9A8B3}"/>
+                <a16:creationId xmlns:a16="http://schemas.microsoft.com/office/drawing/2014/main" id="{DE878817-F317-50C9-A887-FC7421977DED}"/>
               </a:ext>
             </a:extLst>
           </p:cNvPr>
@@ -4319,7 +4315,7 @@
           <a:p>
             <a:r>
               <a:rPr lang="fr-FR" dirty="0"/>
-              <a:t>Lecture Analogique</a:t>
+              <a:t>Ports Analogiques</a:t>
             </a:r>
           </a:p>
         </p:txBody>
@@ -4329,7 +4325,7 @@
           <p:cNvPr id="3" name="Espace réservé du contenu 2">
             <a:extLst>
               <a:ext uri="{FF2B5EF4-FFF2-40B4-BE49-F238E27FC236}">
-                <a16:creationId xmlns:a16="http://schemas.microsoft.com/office/drawing/2014/main" id="{185BE266-1ADE-1B0A-F645-AAB1402448BC}"/>
+                <a16:creationId xmlns:a16="http://schemas.microsoft.com/office/drawing/2014/main" id="{1C3A44BC-6BAB-F234-FC6A-2901CF08578A}"/>
               </a:ext>
             </a:extLst>
           </p:cNvPr>
@@ -4346,52 +4342,81 @@
           <a:lstStyle/>
           <a:p>
             <a:r>
-              <a:rPr lang="fr-FR" sz="2400" dirty="0" err="1"/>
-              <a:t>from</a:t>
-            </a:r>
-            <a:r>
-              <a:rPr lang="fr-FR" sz="2400" dirty="0"/>
-              <a:t> machine import ADC</a:t>
-            </a:r>
-          </a:p>
-          <a:p>
-            <a:r>
-              <a:rPr lang="fr-FR" sz="2400" dirty="0" err="1"/>
-              <a:t>adc</a:t>
-            </a:r>
-            <a:r>
-              <a:rPr lang="fr-FR" sz="2400" dirty="0"/>
-              <a:t> = ADC(pin)</a:t>
-            </a:r>
-          </a:p>
-          <a:p>
-            <a:r>
-              <a:rPr lang="fr-FR" sz="2400" dirty="0"/>
-              <a:t>val = adc.read_u16() # Lecteur 16 bits</a:t>
-            </a:r>
-          </a:p>
-          <a:p>
-            <a:r>
-              <a:rPr lang="fr-FR" sz="2400" dirty="0"/>
-              <a:t>val = </a:t>
-            </a:r>
-            <a:r>
-              <a:rPr lang="fr-FR" sz="2400" dirty="0" err="1"/>
-              <a:t>adc.read_uv</a:t>
-            </a:r>
-            <a:r>
-              <a:rPr lang="fr-FR" sz="2400" dirty="0"/>
-              <a:t>()   # Valeur en microvolt</a:t>
-            </a:r>
-          </a:p>
-          <a:p>
-            <a:r>
-              <a:rPr lang="fr-FR" sz="2400" dirty="0" err="1"/>
-              <a:t>adc.width</a:t>
-            </a:r>
-            <a:r>
-              <a:rPr lang="fr-FR" sz="2400" dirty="0"/>
-              <a:t>(ADC.WIDTH_10BIT) # Compatibilité Arduino</a:t>
+              <a:rPr lang="fr-FR" dirty="0"/>
+              <a:t>ADC</a:t>
+            </a:r>
+          </a:p>
+          <a:p>
+            <a:pPr lvl="1"/>
+            <a:r>
+              <a:rPr lang="fr-FR" dirty="0" err="1"/>
+              <a:t>Analog</a:t>
+            </a:r>
+            <a:r>
+              <a:rPr lang="fr-FR" dirty="0"/>
+              <a:t> to Digital Conversion</a:t>
+            </a:r>
+          </a:p>
+          <a:p>
+            <a:pPr lvl="1"/>
+            <a:r>
+              <a:rPr lang="fr-FR" dirty="0"/>
+              <a:t>Sur ESP32 disponible sur : 4, 12-15, 25-27, 32-39</a:t>
+            </a:r>
+          </a:p>
+          <a:p>
+            <a:r>
+              <a:rPr lang="fr-FR" dirty="0"/>
+              <a:t>Permet d'avoir une valeur analogique sur 12 bits</a:t>
+            </a:r>
+          </a:p>
+          <a:p>
+            <a:pPr lvl="1"/>
+            <a:r>
+              <a:rPr lang="fr-FR" dirty="0"/>
+              <a:t>Entre 0 et 4096</a:t>
+            </a:r>
+          </a:p>
+          <a:p>
+            <a:pPr lvl="1"/>
+            <a:r>
+              <a:rPr lang="fr-FR" dirty="0"/>
+              <a:t>0 correspond à 0V</a:t>
+            </a:r>
+          </a:p>
+          <a:p>
+            <a:pPr lvl="1"/>
+            <a:r>
+              <a:rPr lang="fr-FR" dirty="0"/>
+              <a:t>4096 correspond ~= 1V</a:t>
+            </a:r>
+          </a:p>
+          <a:p>
+            <a:pPr lvl="1"/>
+            <a:r>
+              <a:rPr lang="fr-FR" dirty="0"/>
+              <a:t>Par de port analogique en Output</a:t>
+            </a:r>
+          </a:p>
+          <a:p>
+            <a:pPr lvl="1"/>
+            <a:r>
+              <a:rPr lang="fr-FR" dirty="0"/>
+              <a:t>Remplacé par des PWM</a:t>
+            </a:r>
+          </a:p>
+          <a:p>
+            <a:pPr lvl="1"/>
+            <a:r>
+              <a:rPr lang="fr-FR" dirty="0"/>
+              <a:t>Beaucoup moins précis que sur Arduino</a:t>
+            </a:r>
+          </a:p>
+          <a:p>
+            <a:pPr lvl="1"/>
+            <a:r>
+              <a:rPr lang="fr-FR" dirty="0"/>
+              <a:t>Préférer les bus</a:t>
             </a:r>
           </a:p>
         </p:txBody>
@@ -4399,7 +4424,7 @@
     </p:spTree>
     <p:extLst>
       <p:ext uri="{BB962C8B-B14F-4D97-AF65-F5344CB8AC3E}">
-        <p14:creationId xmlns:p14="http://schemas.microsoft.com/office/powerpoint/2010/main" val="3344984096"/>
+        <p14:creationId xmlns:p14="http://schemas.microsoft.com/office/powerpoint/2010/main" val="4045125591"/>
       </p:ext>
     </p:extLst>
   </p:cSld>
@@ -4428,6 +4453,136 @@
       </p:grpSpPr>
       <p:sp>
         <p:nvSpPr>
+          <p:cNvPr id="2" name="Titre 1">
+            <a:extLst>
+              <a:ext uri="{FF2B5EF4-FFF2-40B4-BE49-F238E27FC236}">
+                <a16:creationId xmlns:a16="http://schemas.microsoft.com/office/drawing/2014/main" id="{170BF76D-DA79-AC22-60B2-D3A8C3A9A8B3}"/>
+              </a:ext>
+            </a:extLst>
+          </p:cNvPr>
+          <p:cNvSpPr>
+            <a:spLocks noGrp="1"/>
+          </p:cNvSpPr>
+          <p:nvPr>
+            <p:ph type="title"/>
+          </p:nvPr>
+        </p:nvSpPr>
+        <p:spPr/>
+        <p:txBody>
+          <a:bodyPr/>
+          <a:lstStyle/>
+          <a:p>
+            <a:r>
+              <a:rPr lang="fr-FR" dirty="0"/>
+              <a:t>Lecture Analogique</a:t>
+            </a:r>
+          </a:p>
+        </p:txBody>
+      </p:sp>
+      <p:sp>
+        <p:nvSpPr>
+          <p:cNvPr id="3" name="Espace réservé du contenu 2">
+            <a:extLst>
+              <a:ext uri="{FF2B5EF4-FFF2-40B4-BE49-F238E27FC236}">
+                <a16:creationId xmlns:a16="http://schemas.microsoft.com/office/drawing/2014/main" id="{185BE266-1ADE-1B0A-F645-AAB1402448BC}"/>
+              </a:ext>
+            </a:extLst>
+          </p:cNvPr>
+          <p:cNvSpPr>
+            <a:spLocks noGrp="1"/>
+          </p:cNvSpPr>
+          <p:nvPr>
+            <p:ph idx="1"/>
+          </p:nvPr>
+        </p:nvSpPr>
+        <p:spPr/>
+        <p:txBody>
+          <a:bodyPr/>
+          <a:lstStyle/>
+          <a:p>
+            <a:r>
+              <a:rPr lang="fr-FR" sz="2400" dirty="0" err="1"/>
+              <a:t>from</a:t>
+            </a:r>
+            <a:r>
+              <a:rPr lang="fr-FR" sz="2400" dirty="0"/>
+              <a:t> machine import ADC</a:t>
+            </a:r>
+          </a:p>
+          <a:p>
+            <a:r>
+              <a:rPr lang="fr-FR" sz="2400" dirty="0" err="1"/>
+              <a:t>adc</a:t>
+            </a:r>
+            <a:r>
+              <a:rPr lang="fr-FR" sz="2400" dirty="0"/>
+              <a:t> = ADC(pin)</a:t>
+            </a:r>
+          </a:p>
+          <a:p>
+            <a:r>
+              <a:rPr lang="fr-FR" sz="2400" dirty="0"/>
+              <a:t>val = adc.read_u16() # Lecteur 16 bits</a:t>
+            </a:r>
+          </a:p>
+          <a:p>
+            <a:r>
+              <a:rPr lang="fr-FR" sz="2400" dirty="0"/>
+              <a:t>val = </a:t>
+            </a:r>
+            <a:r>
+              <a:rPr lang="fr-FR" sz="2400" dirty="0" err="1"/>
+              <a:t>adc.read_uv</a:t>
+            </a:r>
+            <a:r>
+              <a:rPr lang="fr-FR" sz="2400" dirty="0"/>
+              <a:t>()   # Valeur en microvolt</a:t>
+            </a:r>
+          </a:p>
+          <a:p>
+            <a:r>
+              <a:rPr lang="fr-FR" sz="2400" dirty="0" err="1"/>
+              <a:t>adc.width</a:t>
+            </a:r>
+            <a:r>
+              <a:rPr lang="fr-FR" sz="2400" dirty="0"/>
+              <a:t>(ADC.WIDTH_10BIT) # Compatibilité Arduino</a:t>
+            </a:r>
+          </a:p>
+        </p:txBody>
+      </p:sp>
+    </p:spTree>
+    <p:extLst>
+      <p:ext uri="{BB962C8B-B14F-4D97-AF65-F5344CB8AC3E}">
+        <p14:creationId xmlns:p14="http://schemas.microsoft.com/office/powerpoint/2010/main" val="3344984096"/>
+      </p:ext>
+    </p:extLst>
+  </p:cSld>
+  <p:clrMapOvr>
+    <a:masterClrMapping/>
+  </p:clrMapOvr>
+</p:sld>
+</file>
+
+<file path=ppt/slides/slide16.xml><?xml version="1.0" encoding="utf-8"?>
+<p:sld xmlns:a="http://schemas.openxmlformats.org/drawingml/2006/main" xmlns:r="http://schemas.openxmlformats.org/officeDocument/2006/relationships" xmlns:p="http://schemas.openxmlformats.org/presentationml/2006/main">
+  <p:cSld>
+    <p:spTree>
+      <p:nvGrpSpPr>
+        <p:cNvPr id="1" name=""/>
+        <p:cNvGrpSpPr/>
+        <p:nvPr/>
+      </p:nvGrpSpPr>
+      <p:grpSpPr>
+        <a:xfrm>
+          <a:off x="0" y="0"/>
+          <a:ext cx="0" cy="0"/>
+          <a:chOff x="0" y="0"/>
+          <a:chExt cx="0" cy="0"/>
+        </a:xfrm>
+      </p:grpSpPr>
+      <p:sp>
+        <p:nvSpPr>
           <p:cNvPr id="2" name="Titre 1"/>
           <p:cNvSpPr>
             <a:spLocks noGrp="1"/>
@@ -4531,7 +4686,7 @@
 </p:sld>
 </file>
 
-<file path=ppt/slides/slide16.xml><?xml version="1.0" encoding="utf-8"?>
+<file path=ppt/slides/slide17.xml><?xml version="1.0" encoding="utf-8"?>
 <p:sld xmlns:a="http://schemas.openxmlformats.org/drawingml/2006/main" xmlns:r="http://schemas.openxmlformats.org/officeDocument/2006/relationships" xmlns:p="http://schemas.openxmlformats.org/presentationml/2006/main">
   <p:cSld>
     <p:spTree>
@@ -4707,7 +4862,7 @@
 </p:sld>
 </file>
 
-<file path=ppt/slides/slide17.xml><?xml version="1.0" encoding="utf-8"?>
+<file path=ppt/slides/slide18.xml><?xml version="1.0" encoding="utf-8"?>
 <p:sld xmlns:a="http://schemas.openxmlformats.org/drawingml/2006/main" xmlns:r="http://schemas.openxmlformats.org/officeDocument/2006/relationships" xmlns:p="http://schemas.openxmlformats.org/presentationml/2006/main">
   <p:cSld>
     <p:spTree>
@@ -5033,7 +5188,7 @@
 </p:sld>
 </file>
 
-<file path=ppt/slides/slide18.xml><?xml version="1.0" encoding="utf-8"?>
+<file path=ppt/slides/slide19.xml><?xml version="1.0" encoding="utf-8"?>
 <p:sld xmlns:a="http://schemas.openxmlformats.org/drawingml/2006/main" xmlns:r="http://schemas.openxmlformats.org/officeDocument/2006/relationships" xmlns:p="http://schemas.openxmlformats.org/presentationml/2006/main">
   <p:cSld>
     <p:spTree>
@@ -5216,119 +5371,6 @@
     <p:extLst>
       <p:ext uri="{BB962C8B-B14F-4D97-AF65-F5344CB8AC3E}">
         <p14:creationId xmlns:p14="http://schemas.microsoft.com/office/powerpoint/2010/main" val="16341552"/>
-      </p:ext>
-    </p:extLst>
-  </p:cSld>
-  <p:clrMapOvr>
-    <a:masterClrMapping/>
-  </p:clrMapOvr>
-</p:sld>
-</file>
-
-<file path=ppt/slides/slide19.xml><?xml version="1.0" encoding="utf-8"?>
-<p:sld xmlns:a="http://schemas.openxmlformats.org/drawingml/2006/main" xmlns:r="http://schemas.openxmlformats.org/officeDocument/2006/relationships" xmlns:p="http://schemas.openxmlformats.org/presentationml/2006/main">
-  <p:cSld>
-    <p:spTree>
-      <p:nvGrpSpPr>
-        <p:cNvPr id="1" name=""/>
-        <p:cNvGrpSpPr/>
-        <p:nvPr/>
-      </p:nvGrpSpPr>
-      <p:grpSpPr>
-        <a:xfrm>
-          <a:off x="0" y="0"/>
-          <a:ext cx="0" cy="0"/>
-          <a:chOff x="0" y="0"/>
-          <a:chExt cx="0" cy="0"/>
-        </a:xfrm>
-      </p:grpSpPr>
-      <p:sp>
-        <p:nvSpPr>
-          <p:cNvPr id="2" name="Titre 1">
-            <a:extLst>
-              <a:ext uri="{FF2B5EF4-FFF2-40B4-BE49-F238E27FC236}">
-                <a16:creationId xmlns:a16="http://schemas.microsoft.com/office/drawing/2014/main" id="{040EFE90-0953-D6F8-2762-1F8856F398EA}"/>
-              </a:ext>
-            </a:extLst>
-          </p:cNvPr>
-          <p:cNvSpPr>
-            <a:spLocks noGrp="1"/>
-          </p:cNvSpPr>
-          <p:nvPr>
-            <p:ph type="title"/>
-          </p:nvPr>
-        </p:nvSpPr>
-        <p:spPr/>
-        <p:txBody>
-          <a:bodyPr/>
-          <a:lstStyle/>
-          <a:p>
-            <a:r>
-              <a:rPr lang="fr-FR" dirty="0"/>
-              <a:t>Potentiomètre</a:t>
-            </a:r>
-          </a:p>
-        </p:txBody>
-      </p:sp>
-      <p:sp>
-        <p:nvSpPr>
-          <p:cNvPr id="3" name="Espace réservé du contenu 2">
-            <a:extLst>
-              <a:ext uri="{FF2B5EF4-FFF2-40B4-BE49-F238E27FC236}">
-                <a16:creationId xmlns:a16="http://schemas.microsoft.com/office/drawing/2014/main" id="{7BF6044B-9AE5-D9A8-9909-6830D3D7DE80}"/>
-              </a:ext>
-            </a:extLst>
-          </p:cNvPr>
-          <p:cNvSpPr>
-            <a:spLocks noGrp="1"/>
-          </p:cNvSpPr>
-          <p:nvPr>
-            <p:ph idx="1"/>
-          </p:nvPr>
-        </p:nvSpPr>
-        <p:spPr/>
-        <p:txBody>
-          <a:bodyPr/>
-          <a:lstStyle/>
-          <a:p>
-            <a:endParaRPr lang="fr-FR"/>
-          </a:p>
-        </p:txBody>
-      </p:sp>
-      <p:pic>
-        <p:nvPicPr>
-          <p:cNvPr id="5" name="Image 4">
-            <a:extLst>
-              <a:ext uri="{FF2B5EF4-FFF2-40B4-BE49-F238E27FC236}">
-                <a16:creationId xmlns:a16="http://schemas.microsoft.com/office/drawing/2014/main" id="{6A1CF8ED-3787-8C9D-0144-628D1926026B}"/>
-              </a:ext>
-            </a:extLst>
-          </p:cNvPr>
-          <p:cNvPicPr>
-            <a:picLocks noChangeAspect="1"/>
-          </p:cNvPicPr>
-          <p:nvPr/>
-        </p:nvPicPr>
-        <p:blipFill>
-          <a:blip r:embed="rId2"/>
-          <a:stretch>
-            <a:fillRect/>
-          </a:stretch>
-        </p:blipFill>
-        <p:spPr>
-          <a:xfrm>
-            <a:off x="1178363" y="1052736"/>
-            <a:ext cx="6090623" cy="5297127"/>
-          </a:xfrm>
-          <a:prstGeom prst="rect">
-            <a:avLst/>
-          </a:prstGeom>
-        </p:spPr>
-      </p:pic>
-    </p:spTree>
-    <p:extLst>
-      <p:ext uri="{BB962C8B-B14F-4D97-AF65-F5344CB8AC3E}">
-        <p14:creationId xmlns:p14="http://schemas.microsoft.com/office/powerpoint/2010/main" val="1529589931"/>
       </p:ext>
     </p:extLst>
   </p:cSld>
@@ -5458,6 +5500,119 @@
 </file>
 
 <file path=ppt/slides/slide20.xml><?xml version="1.0" encoding="utf-8"?>
+<p:sld xmlns:a="http://schemas.openxmlformats.org/drawingml/2006/main" xmlns:r="http://schemas.openxmlformats.org/officeDocument/2006/relationships" xmlns:p="http://schemas.openxmlformats.org/presentationml/2006/main">
+  <p:cSld>
+    <p:spTree>
+      <p:nvGrpSpPr>
+        <p:cNvPr id="1" name=""/>
+        <p:cNvGrpSpPr/>
+        <p:nvPr/>
+      </p:nvGrpSpPr>
+      <p:grpSpPr>
+        <a:xfrm>
+          <a:off x="0" y="0"/>
+          <a:ext cx="0" cy="0"/>
+          <a:chOff x="0" y="0"/>
+          <a:chExt cx="0" cy="0"/>
+        </a:xfrm>
+      </p:grpSpPr>
+      <p:sp>
+        <p:nvSpPr>
+          <p:cNvPr id="2" name="Titre 1">
+            <a:extLst>
+              <a:ext uri="{FF2B5EF4-FFF2-40B4-BE49-F238E27FC236}">
+                <a16:creationId xmlns:a16="http://schemas.microsoft.com/office/drawing/2014/main" id="{040EFE90-0953-D6F8-2762-1F8856F398EA}"/>
+              </a:ext>
+            </a:extLst>
+          </p:cNvPr>
+          <p:cNvSpPr>
+            <a:spLocks noGrp="1"/>
+          </p:cNvSpPr>
+          <p:nvPr>
+            <p:ph type="title"/>
+          </p:nvPr>
+        </p:nvSpPr>
+        <p:spPr/>
+        <p:txBody>
+          <a:bodyPr/>
+          <a:lstStyle/>
+          <a:p>
+            <a:r>
+              <a:rPr lang="fr-FR" dirty="0"/>
+              <a:t>Potentiomètre</a:t>
+            </a:r>
+          </a:p>
+        </p:txBody>
+      </p:sp>
+      <p:sp>
+        <p:nvSpPr>
+          <p:cNvPr id="3" name="Espace réservé du contenu 2">
+            <a:extLst>
+              <a:ext uri="{FF2B5EF4-FFF2-40B4-BE49-F238E27FC236}">
+                <a16:creationId xmlns:a16="http://schemas.microsoft.com/office/drawing/2014/main" id="{7BF6044B-9AE5-D9A8-9909-6830D3D7DE80}"/>
+              </a:ext>
+            </a:extLst>
+          </p:cNvPr>
+          <p:cNvSpPr>
+            <a:spLocks noGrp="1"/>
+          </p:cNvSpPr>
+          <p:nvPr>
+            <p:ph idx="1"/>
+          </p:nvPr>
+        </p:nvSpPr>
+        <p:spPr/>
+        <p:txBody>
+          <a:bodyPr/>
+          <a:lstStyle/>
+          <a:p>
+            <a:endParaRPr lang="fr-FR"/>
+          </a:p>
+        </p:txBody>
+      </p:sp>
+      <p:pic>
+        <p:nvPicPr>
+          <p:cNvPr id="5" name="Image 4">
+            <a:extLst>
+              <a:ext uri="{FF2B5EF4-FFF2-40B4-BE49-F238E27FC236}">
+                <a16:creationId xmlns:a16="http://schemas.microsoft.com/office/drawing/2014/main" id="{6A1CF8ED-3787-8C9D-0144-628D1926026B}"/>
+              </a:ext>
+            </a:extLst>
+          </p:cNvPr>
+          <p:cNvPicPr>
+            <a:picLocks noChangeAspect="1"/>
+          </p:cNvPicPr>
+          <p:nvPr/>
+        </p:nvPicPr>
+        <p:blipFill>
+          <a:blip r:embed="rId2"/>
+          <a:stretch>
+            <a:fillRect/>
+          </a:stretch>
+        </p:blipFill>
+        <p:spPr>
+          <a:xfrm>
+            <a:off x="1178363" y="1052736"/>
+            <a:ext cx="6090623" cy="5297127"/>
+          </a:xfrm>
+          <a:prstGeom prst="rect">
+            <a:avLst/>
+          </a:prstGeom>
+        </p:spPr>
+      </p:pic>
+    </p:spTree>
+    <p:extLst>
+      <p:ext uri="{BB962C8B-B14F-4D97-AF65-F5344CB8AC3E}">
+        <p14:creationId xmlns:p14="http://schemas.microsoft.com/office/powerpoint/2010/main" val="1529589931"/>
+      </p:ext>
+    </p:extLst>
+  </p:cSld>
+  <p:clrMapOvr>
+    <a:masterClrMapping/>
+  </p:clrMapOvr>
+</p:sld>
+</file>
+
+<file path=ppt/slides/slide21.xml><?xml version="1.0" encoding="utf-8"?>
 <p:sld xmlns:a="http://schemas.openxmlformats.org/drawingml/2006/main" xmlns:r="http://schemas.openxmlformats.org/officeDocument/2006/relationships" xmlns:p="http://schemas.openxmlformats.org/presentationml/2006/main">
   <p:cSld>
     <p:spTree>
@@ -5695,144 +5850,6 @@
 </p:sld>
 </file>
 
-<file path=ppt/slides/slide21.xml><?xml version="1.0" encoding="utf-8"?>
-<p:sld xmlns:a="http://schemas.openxmlformats.org/drawingml/2006/main" xmlns:r="http://schemas.openxmlformats.org/officeDocument/2006/relationships" xmlns:p="http://schemas.openxmlformats.org/presentationml/2006/main">
-  <p:cSld>
-    <p:spTree>
-      <p:nvGrpSpPr>
-        <p:cNvPr id="1" name=""/>
-        <p:cNvGrpSpPr/>
-        <p:nvPr/>
-      </p:nvGrpSpPr>
-      <p:grpSpPr>
-        <a:xfrm>
-          <a:off x="0" y="0"/>
-          <a:ext cx="0" cy="0"/>
-          <a:chOff x="0" y="0"/>
-          <a:chExt cx="0" cy="0"/>
-        </a:xfrm>
-      </p:grpSpPr>
-      <p:sp>
-        <p:nvSpPr>
-          <p:cNvPr id="2" name="Titre 1">
-            <a:extLst>
-              <a:ext uri="{FF2B5EF4-FFF2-40B4-BE49-F238E27FC236}">
-                <a16:creationId xmlns:a16="http://schemas.microsoft.com/office/drawing/2014/main" id="{1CFEABE6-08D5-1D21-B833-54F76F51035B}"/>
-              </a:ext>
-            </a:extLst>
-          </p:cNvPr>
-          <p:cNvSpPr>
-            <a:spLocks noGrp="1"/>
-          </p:cNvSpPr>
-          <p:nvPr>
-            <p:ph type="title"/>
-          </p:nvPr>
-        </p:nvSpPr>
-        <p:spPr/>
-        <p:txBody>
-          <a:bodyPr/>
-          <a:lstStyle/>
-          <a:p>
-            <a:r>
-              <a:rPr lang="fr-FR" dirty="0"/>
-              <a:t>PWM Initialisation</a:t>
-            </a:r>
-          </a:p>
-        </p:txBody>
-      </p:sp>
-      <p:sp>
-        <p:nvSpPr>
-          <p:cNvPr id="3" name="Espace réservé du contenu 2">
-            <a:extLst>
-              <a:ext uri="{FF2B5EF4-FFF2-40B4-BE49-F238E27FC236}">
-                <a16:creationId xmlns:a16="http://schemas.microsoft.com/office/drawing/2014/main" id="{DA13F1E8-A103-DF2D-7AC5-2044DD2FEA62}"/>
-              </a:ext>
-            </a:extLst>
-          </p:cNvPr>
-          <p:cNvSpPr>
-            <a:spLocks noGrp="1"/>
-          </p:cNvSpPr>
-          <p:nvPr>
-            <p:ph idx="1"/>
-          </p:nvPr>
-        </p:nvSpPr>
-        <p:spPr/>
-        <p:txBody>
-          <a:bodyPr/>
-          <a:lstStyle/>
-          <a:p>
-            <a:r>
-              <a:rPr lang="fr-FR" dirty="0" err="1"/>
-              <a:t>from</a:t>
-            </a:r>
-            <a:r>
-              <a:rPr lang="fr-FR" dirty="0"/>
-              <a:t> machine import Pin, PWM</a:t>
-            </a:r>
-          </a:p>
-          <a:p>
-            <a:r>
-              <a:rPr lang="fr-FR" dirty="0"/>
-              <a:t>pwm4 = PWM(Pin(4), </a:t>
-            </a:r>
-            <a:r>
-              <a:rPr lang="fr-FR" dirty="0" err="1"/>
-              <a:t>freq</a:t>
-            </a:r>
-            <a:r>
-              <a:rPr lang="fr-FR" dirty="0"/>
-              <a:t>=5000, duty_u16=65536)</a:t>
-            </a:r>
-          </a:p>
-          <a:p>
-            <a:endParaRPr lang="fr-FR" dirty="0"/>
-          </a:p>
-          <a:p>
-            <a:r>
-              <a:rPr lang="fr-FR" dirty="0" err="1"/>
-              <a:t>freq</a:t>
-            </a:r>
-            <a:r>
-              <a:rPr lang="fr-FR" dirty="0"/>
-              <a:t> = fréquence du PWM</a:t>
-            </a:r>
-          </a:p>
-          <a:p>
-            <a:pPr lvl="1"/>
-            <a:r>
-              <a:rPr lang="fr-FR" dirty="0"/>
-              <a:t>De 1Hz à 40MHz</a:t>
-            </a:r>
-          </a:p>
-          <a:p>
-            <a:pPr lvl="1"/>
-            <a:r>
-              <a:rPr lang="fr-FR" dirty="0"/>
-              <a:t>+ élevé = + précis = + CPU</a:t>
-            </a:r>
-          </a:p>
-          <a:p>
-            <a:pPr lvl="1"/>
-            <a:r>
-              <a:rPr lang="fr-FR" dirty="0"/>
-              <a:t>duty_u16 = range des valeurs, de 0 à 2**16</a:t>
-            </a:r>
-          </a:p>
-        </p:txBody>
-      </p:sp>
-    </p:spTree>
-    <p:extLst>
-      <p:ext uri="{BB962C8B-B14F-4D97-AF65-F5344CB8AC3E}">
-        <p14:creationId xmlns:p14="http://schemas.microsoft.com/office/powerpoint/2010/main" val="3403515831"/>
-      </p:ext>
-    </p:extLst>
-  </p:cSld>
-  <p:clrMapOvr>
-    <a:masterClrMapping/>
-  </p:clrMapOvr>
-</p:sld>
-</file>
-
 <file path=ppt/slides/slide22.xml><?xml version="1.0" encoding="utf-8"?>
 <p:sld xmlns:a="http://schemas.openxmlformats.org/drawingml/2006/main" xmlns:r="http://schemas.openxmlformats.org/officeDocument/2006/relationships" xmlns:p="http://schemas.openxmlformats.org/presentationml/2006/main">
   <p:cSld>
@@ -5855,7 +5872,7 @@
           <p:cNvPr id="2" name="Titre 1">
             <a:extLst>
               <a:ext uri="{FF2B5EF4-FFF2-40B4-BE49-F238E27FC236}">
-                <a16:creationId xmlns:a16="http://schemas.microsoft.com/office/drawing/2014/main" id="{E7D408BD-C6F9-642E-C33C-1D4BE25A1C60}"/>
+                <a16:creationId xmlns:a16="http://schemas.microsoft.com/office/drawing/2014/main" id="{1CFEABE6-08D5-1D21-B833-54F76F51035B}"/>
               </a:ext>
             </a:extLst>
           </p:cNvPr>
@@ -5873,7 +5890,7 @@
           <a:p>
             <a:r>
               <a:rPr lang="fr-FR" dirty="0"/>
-              <a:t>PWM Lecture</a:t>
+              <a:t>PWM Initialisation</a:t>
             </a:r>
           </a:p>
         </p:txBody>
@@ -5883,7 +5900,7 @@
           <p:cNvPr id="3" name="Espace réservé du contenu 2">
             <a:extLst>
               <a:ext uri="{FF2B5EF4-FFF2-40B4-BE49-F238E27FC236}">
-                <a16:creationId xmlns:a16="http://schemas.microsoft.com/office/drawing/2014/main" id="{F18765E0-7715-696D-A6DE-8B02A4813031}"/>
+                <a16:creationId xmlns:a16="http://schemas.microsoft.com/office/drawing/2014/main" id="{DA13F1E8-A103-DF2D-7AC5-2044DD2FEA62}"/>
               </a:ext>
             </a:extLst>
           </p:cNvPr>
@@ -5900,53 +5917,68 @@
           <a:lstStyle/>
           <a:p>
             <a:r>
-              <a:rPr lang="pl-PL" dirty="0"/>
-              <a:t>pwm.duty_u16(</a:t>
-            </a:r>
-            <a:r>
-              <a:rPr lang="fr-FR" dirty="0"/>
-              <a:t>value</a:t>
-            </a:r>
-            <a:r>
-              <a:rPr lang="pl-PL" dirty="0"/>
-              <a:t>)</a:t>
-            </a:r>
+              <a:rPr lang="fr-FR" dirty="0" err="1"/>
+              <a:t>from</a:t>
+            </a:r>
+            <a:r>
+              <a:rPr lang="fr-FR" dirty="0"/>
+              <a:t> machine import Pin, PWM</a:t>
+            </a:r>
+          </a:p>
+          <a:p>
+            <a:r>
+              <a:rPr lang="fr-FR" dirty="0"/>
+              <a:t>pwm4 = PWM(Pin(4), </a:t>
+            </a:r>
+            <a:r>
+              <a:rPr lang="fr-FR" dirty="0" err="1"/>
+              <a:t>freq</a:t>
+            </a:r>
+            <a:r>
+              <a:rPr lang="fr-FR" dirty="0"/>
+              <a:t>=5000, duty_u16=65536)</a:t>
+            </a:r>
+          </a:p>
+          <a:p>
             <a:endParaRPr lang="fr-FR" dirty="0"/>
           </a:p>
           <a:p>
+            <a:r>
+              <a:rPr lang="fr-FR" dirty="0" err="1"/>
+              <a:t>freq</a:t>
+            </a:r>
+            <a:r>
+              <a:rPr lang="fr-FR" dirty="0"/>
+              <a:t> = fréquence du PWM</a:t>
+            </a:r>
+          </a:p>
+          <a:p>
             <a:pPr lvl="1"/>
             <a:r>
               <a:rPr lang="fr-FR" dirty="0"/>
-              <a:t>Ecrit la donnée en 16 bits</a:t>
-            </a:r>
-          </a:p>
-          <a:p>
-            <a:r>
-              <a:rPr lang="fr-FR" dirty="0" err="1"/>
-              <a:t>pwm_duty</a:t>
-            </a:r>
-            <a:r>
-              <a:rPr lang="fr-FR" dirty="0"/>
-              <a:t>(value)</a:t>
+              <a:t>De 1Hz à 40MHz</a:t>
             </a:r>
           </a:p>
           <a:p>
             <a:pPr lvl="1"/>
             <a:r>
               <a:rPr lang="fr-FR" dirty="0"/>
-              <a:t>Ecrit la donnée en 10 bits</a:t>
+              <a:t>+ élevé = + précis = + CPU</a:t>
             </a:r>
           </a:p>
           <a:p>
             <a:pPr lvl="1"/>
-            <a:endParaRPr lang="fr-FR" dirty="0"/>
+            <a:r>
+              <a:rPr lang="fr-FR" dirty="0"/>
+              <a:t>duty_u16 = range des valeurs, de 0 à 2**16</a:t>
+            </a:r>
           </a:p>
         </p:txBody>
       </p:sp>
     </p:spTree>
     <p:extLst>
       <p:ext uri="{BB962C8B-B14F-4D97-AF65-F5344CB8AC3E}">
-        <p14:creationId xmlns:p14="http://schemas.microsoft.com/office/powerpoint/2010/main" val="1176580070"/>
+        <p14:creationId xmlns:p14="http://schemas.microsoft.com/office/powerpoint/2010/main" val="3403515831"/>
       </p:ext>
     </p:extLst>
   </p:cSld>
@@ -5975,6 +6007,129 @@
       </p:grpSpPr>
       <p:sp>
         <p:nvSpPr>
+          <p:cNvPr id="2" name="Titre 1">
+            <a:extLst>
+              <a:ext uri="{FF2B5EF4-FFF2-40B4-BE49-F238E27FC236}">
+                <a16:creationId xmlns:a16="http://schemas.microsoft.com/office/drawing/2014/main" id="{E7D408BD-C6F9-642E-C33C-1D4BE25A1C60}"/>
+              </a:ext>
+            </a:extLst>
+          </p:cNvPr>
+          <p:cNvSpPr>
+            <a:spLocks noGrp="1"/>
+          </p:cNvSpPr>
+          <p:nvPr>
+            <p:ph type="title"/>
+          </p:nvPr>
+        </p:nvSpPr>
+        <p:spPr/>
+        <p:txBody>
+          <a:bodyPr/>
+          <a:lstStyle/>
+          <a:p>
+            <a:r>
+              <a:rPr lang="fr-FR" dirty="0"/>
+              <a:t>PWM Lecture</a:t>
+            </a:r>
+          </a:p>
+        </p:txBody>
+      </p:sp>
+      <p:sp>
+        <p:nvSpPr>
+          <p:cNvPr id="3" name="Espace réservé du contenu 2">
+            <a:extLst>
+              <a:ext uri="{FF2B5EF4-FFF2-40B4-BE49-F238E27FC236}">
+                <a16:creationId xmlns:a16="http://schemas.microsoft.com/office/drawing/2014/main" id="{F18765E0-7715-696D-A6DE-8B02A4813031}"/>
+              </a:ext>
+            </a:extLst>
+          </p:cNvPr>
+          <p:cNvSpPr>
+            <a:spLocks noGrp="1"/>
+          </p:cNvSpPr>
+          <p:nvPr>
+            <p:ph idx="1"/>
+          </p:nvPr>
+        </p:nvSpPr>
+        <p:spPr/>
+        <p:txBody>
+          <a:bodyPr/>
+          <a:lstStyle/>
+          <a:p>
+            <a:r>
+              <a:rPr lang="pl-PL" dirty="0"/>
+              <a:t>pwm.duty_u16(</a:t>
+            </a:r>
+            <a:r>
+              <a:rPr lang="fr-FR" dirty="0"/>
+              <a:t>value</a:t>
+            </a:r>
+            <a:r>
+              <a:rPr lang="pl-PL" dirty="0"/>
+              <a:t>)</a:t>
+            </a:r>
+            <a:endParaRPr lang="fr-FR" dirty="0"/>
+          </a:p>
+          <a:p>
+            <a:pPr lvl="1"/>
+            <a:r>
+              <a:rPr lang="fr-FR" dirty="0"/>
+              <a:t>Ecrit la donnée en 16 bits</a:t>
+            </a:r>
+          </a:p>
+          <a:p>
+            <a:r>
+              <a:rPr lang="fr-FR" dirty="0" err="1"/>
+              <a:t>pwm_duty</a:t>
+            </a:r>
+            <a:r>
+              <a:rPr lang="fr-FR" dirty="0"/>
+              <a:t>(value)</a:t>
+            </a:r>
+          </a:p>
+          <a:p>
+            <a:pPr lvl="1"/>
+            <a:r>
+              <a:rPr lang="fr-FR" dirty="0"/>
+              <a:t>Ecrit la donnée en 10 bits</a:t>
+            </a:r>
+          </a:p>
+          <a:p>
+            <a:pPr lvl="1"/>
+            <a:endParaRPr lang="fr-FR" dirty="0"/>
+          </a:p>
+        </p:txBody>
+      </p:sp>
+    </p:spTree>
+    <p:extLst>
+      <p:ext uri="{BB962C8B-B14F-4D97-AF65-F5344CB8AC3E}">
+        <p14:creationId xmlns:p14="http://schemas.microsoft.com/office/powerpoint/2010/main" val="1176580070"/>
+      </p:ext>
+    </p:extLst>
+  </p:cSld>
+  <p:clrMapOvr>
+    <a:masterClrMapping/>
+  </p:clrMapOvr>
+</p:sld>
+</file>
+
+<file path=ppt/slides/slide24.xml><?xml version="1.0" encoding="utf-8"?>
+<p:sld xmlns:a="http://schemas.openxmlformats.org/drawingml/2006/main" xmlns:r="http://schemas.openxmlformats.org/officeDocument/2006/relationships" xmlns:p="http://schemas.openxmlformats.org/presentationml/2006/main">
+  <p:cSld>
+    <p:spTree>
+      <p:nvGrpSpPr>
+        <p:cNvPr id="1" name=""/>
+        <p:cNvGrpSpPr/>
+        <p:nvPr/>
+      </p:nvGrpSpPr>
+      <p:grpSpPr>
+        <a:xfrm>
+          <a:off x="0" y="0"/>
+          <a:ext cx="0" cy="0"/>
+          <a:chOff x="0" y="0"/>
+          <a:chExt cx="0" cy="0"/>
+        </a:xfrm>
+      </p:grpSpPr>
+      <p:sp>
+        <p:nvSpPr>
           <p:cNvPr id="2" name="Titre 1"/>
           <p:cNvSpPr>
             <a:spLocks noGrp="1"/>
@@ -6087,7 +6242,7 @@
 </p:sld>
 </file>
 
-<file path=ppt/slides/slide24.xml><?xml version="1.0" encoding="utf-8"?>
+<file path=ppt/slides/slide25.xml><?xml version="1.0" encoding="utf-8"?>
 <p:sld xmlns:a="http://schemas.openxmlformats.org/drawingml/2006/main" xmlns:r="http://schemas.openxmlformats.org/officeDocument/2006/relationships" xmlns:p="http://schemas.openxmlformats.org/presentationml/2006/main">
   <p:cSld>
     <p:spTree>
@@ -6222,7 +6377,7 @@
 </p:sld>
 </file>
 
-<file path=ppt/slides/slide25.xml><?xml version="1.0" encoding="utf-8"?>
+<file path=ppt/slides/slide26.xml><?xml version="1.0" encoding="utf-8"?>
 <p:sld xmlns:a="http://schemas.openxmlformats.org/drawingml/2006/main" xmlns:r="http://schemas.openxmlformats.org/officeDocument/2006/relationships" xmlns:p="http://schemas.openxmlformats.org/presentationml/2006/main">
   <p:cSld>
     <p:spTree>
@@ -6354,7 +6509,7 @@
 </p:sld>
 </file>
 
-<file path=ppt/slides/slide26.xml><?xml version="1.0" encoding="utf-8"?>
+<file path=ppt/slides/slide27.xml><?xml version="1.0" encoding="utf-8"?>
 <p:sld xmlns:a="http://schemas.openxmlformats.org/drawingml/2006/main" xmlns:r="http://schemas.openxmlformats.org/officeDocument/2006/relationships" xmlns:p="http://schemas.openxmlformats.org/presentationml/2006/main">
   <p:cSld>
     <p:spTree>
@@ -6473,7 +6628,7 @@
 </p:sld>
 </file>
 
-<file path=ppt/slides/slide27.xml><?xml version="1.0" encoding="utf-8"?>
+<file path=ppt/slides/slide28.xml><?xml version="1.0" encoding="utf-8"?>
 <p:sld xmlns:a="http://schemas.openxmlformats.org/drawingml/2006/main" xmlns:r="http://schemas.openxmlformats.org/officeDocument/2006/relationships" xmlns:p="http://schemas.openxmlformats.org/presentationml/2006/main">
   <p:cSld>
     <p:spTree>
@@ -6568,13 +6723,8 @@
             <a:pPr lvl="1"/>
             <a:r>
               <a:rPr lang="fr-FR" dirty="0"/>
-              <a:t>Ne </a:t>
-            </a:r>
-            <a:r>
-              <a:rPr lang="fr-FR"/>
-              <a:t>fonctionne pas sur mes tests</a:t>
-            </a:r>
-            <a:endParaRPr lang="fr-FR" dirty="0"/>
+              <a:t>Ne fonctionne pas sur mes tests</a:t>
+            </a:r>
           </a:p>
         </p:txBody>
       </p:sp>
@@ -6582,6 +6732,153 @@
     <p:extLst>
       <p:ext uri="{BB962C8B-B14F-4D97-AF65-F5344CB8AC3E}">
         <p14:creationId xmlns:p14="http://schemas.microsoft.com/office/powerpoint/2010/main" val="499698147"/>
+      </p:ext>
+    </p:extLst>
+  </p:cSld>
+  <p:clrMapOvr>
+    <a:masterClrMapping/>
+  </p:clrMapOvr>
+</p:sld>
+</file>
+
+<file path=ppt/slides/slide29.xml><?xml version="1.0" encoding="utf-8"?>
+<p:sld xmlns:a="http://schemas.openxmlformats.org/drawingml/2006/main" xmlns:r="http://schemas.openxmlformats.org/officeDocument/2006/relationships" xmlns:p="http://schemas.openxmlformats.org/presentationml/2006/main">
+  <p:cSld>
+    <p:spTree>
+      <p:nvGrpSpPr>
+        <p:cNvPr id="1" name=""/>
+        <p:cNvGrpSpPr/>
+        <p:nvPr/>
+      </p:nvGrpSpPr>
+      <p:grpSpPr>
+        <a:xfrm>
+          <a:off x="0" y="0"/>
+          <a:ext cx="0" cy="0"/>
+          <a:chOff x="0" y="0"/>
+          <a:chExt cx="0" cy="0"/>
+        </a:xfrm>
+      </p:grpSpPr>
+      <p:sp>
+        <p:nvSpPr>
+          <p:cNvPr id="2" name="Titre 1">
+            <a:extLst>
+              <a:ext uri="{FF2B5EF4-FFF2-40B4-BE49-F238E27FC236}">
+                <a16:creationId xmlns:a16="http://schemas.microsoft.com/office/drawing/2014/main" id="{D99BDC3A-6B9C-4402-1297-8B15946E6810}"/>
+              </a:ext>
+            </a:extLst>
+          </p:cNvPr>
+          <p:cNvSpPr>
+            <a:spLocks noGrp="1"/>
+          </p:cNvSpPr>
+          <p:nvPr>
+            <p:ph type="title"/>
+          </p:nvPr>
+        </p:nvSpPr>
+        <p:spPr/>
+        <p:txBody>
+          <a:bodyPr/>
+          <a:lstStyle/>
+          <a:p>
+            <a:r>
+              <a:rPr lang="fr-FR" dirty="0"/>
+              <a:t>Relais de puissance</a:t>
+            </a:r>
+          </a:p>
+        </p:txBody>
+      </p:sp>
+      <p:sp>
+        <p:nvSpPr>
+          <p:cNvPr id="3" name="Espace réservé du contenu 2">
+            <a:extLst>
+              <a:ext uri="{FF2B5EF4-FFF2-40B4-BE49-F238E27FC236}">
+                <a16:creationId xmlns:a16="http://schemas.microsoft.com/office/drawing/2014/main" id="{CA3616AA-144A-FE5F-67FF-E001F3132766}"/>
+              </a:ext>
+            </a:extLst>
+          </p:cNvPr>
+          <p:cNvSpPr>
+            <a:spLocks noGrp="1"/>
+          </p:cNvSpPr>
+          <p:nvPr>
+            <p:ph idx="1"/>
+          </p:nvPr>
+        </p:nvSpPr>
+        <p:spPr/>
+        <p:txBody>
+          <a:bodyPr/>
+          <a:lstStyle/>
+          <a:p>
+            <a:r>
+              <a:rPr lang="fr-FR" dirty="0"/>
+              <a:t>Les </a:t>
+            </a:r>
+            <a:r>
+              <a:rPr lang="fr-FR" dirty="0" err="1"/>
+              <a:t>micro-contrôleurs</a:t>
+            </a:r>
+            <a:r>
+              <a:rPr lang="fr-FR" dirty="0"/>
+              <a:t> ne peuvent pas gérer &gt; 5v</a:t>
+            </a:r>
+          </a:p>
+          <a:p>
+            <a:r>
+              <a:rPr lang="fr-FR" dirty="0"/>
+              <a:t>Pour le 220v il faut un relais de puissance</a:t>
+            </a:r>
+          </a:p>
+          <a:p>
+            <a:pPr lvl="1"/>
+            <a:r>
+              <a:rPr lang="fr-FR" dirty="0"/>
+              <a:t>Fonctionnement simple en digital</a:t>
+            </a:r>
+          </a:p>
+          <a:p>
+            <a:pPr lvl="1"/>
+            <a:r>
+              <a:rPr lang="fr-FR" dirty="0"/>
+              <a:t>Nécessite du 5v</a:t>
+            </a:r>
+          </a:p>
+          <a:p>
+            <a:endParaRPr lang="fr-FR" dirty="0"/>
+          </a:p>
+        </p:txBody>
+      </p:sp>
+      <p:pic>
+        <p:nvPicPr>
+          <p:cNvPr id="5" name="Image 4">
+            <a:extLst>
+              <a:ext uri="{FF2B5EF4-FFF2-40B4-BE49-F238E27FC236}">
+                <a16:creationId xmlns:a16="http://schemas.microsoft.com/office/drawing/2014/main" id="{68D2EB2C-5381-9A8B-8CA6-B23C9766961E}"/>
+              </a:ext>
+            </a:extLst>
+          </p:cNvPr>
+          <p:cNvPicPr>
+            <a:picLocks noChangeAspect="1"/>
+          </p:cNvPicPr>
+          <p:nvPr/>
+        </p:nvPicPr>
+        <p:blipFill>
+          <a:blip r:embed="rId2"/>
+          <a:stretch>
+            <a:fillRect/>
+          </a:stretch>
+        </p:blipFill>
+        <p:spPr>
+          <a:xfrm rot="5400000">
+            <a:off x="2904085" y="2152541"/>
+            <a:ext cx="3415789" cy="5968709"/>
+          </a:xfrm>
+          <a:prstGeom prst="rect">
+            <a:avLst/>
+          </a:prstGeom>
+        </p:spPr>
+      </p:pic>
+    </p:spTree>
+    <p:extLst>
+      <p:ext uri="{BB962C8B-B14F-4D97-AF65-F5344CB8AC3E}">
+        <p14:creationId xmlns:p14="http://schemas.microsoft.com/office/powerpoint/2010/main" val="700511113"/>
       </p:ext>
     </p:extLst>
   </p:cSld>

--- a/ppt/IoT19-MicropythonDev.pptx
+++ b/ppt/IoT19-MicropythonDev.pptx
@@ -5,10 +5,10 @@
     <p:sldMasterId id="2147483653" r:id="rId1"/>
   </p:sldMasterIdLst>
   <p:notesMasterIdLst>
-    <p:notesMasterId r:id="rId31"/>
+    <p:notesMasterId r:id="rId32"/>
   </p:notesMasterIdLst>
   <p:handoutMasterIdLst>
-    <p:handoutMasterId r:id="rId32"/>
+    <p:handoutMasterId r:id="rId33"/>
   </p:handoutMasterIdLst>
   <p:sldIdLst>
     <p:sldId id="264" r:id="rId2"/>
@@ -39,7 +39,8 @@
     <p:sldId id="305" r:id="rId27"/>
     <p:sldId id="306" r:id="rId28"/>
     <p:sldId id="307" r:id="rId29"/>
-    <p:sldId id="309" r:id="rId30"/>
+    <p:sldId id="310" r:id="rId30"/>
+    <p:sldId id="309" r:id="rId31"/>
   </p:sldIdLst>
   <p:sldSz cx="9144000" cy="6858000" type="screen4x3"/>
   <p:notesSz cx="6648450" cy="9782175"/>
@@ -6763,6 +6764,378 @@
           <p:cNvPr id="2" name="Titre 1">
             <a:extLst>
               <a:ext uri="{FF2B5EF4-FFF2-40B4-BE49-F238E27FC236}">
+                <a16:creationId xmlns:a16="http://schemas.microsoft.com/office/drawing/2014/main" id="{277B39C7-26DD-8EF2-D4BE-5FD5834FFDBE}"/>
+              </a:ext>
+            </a:extLst>
+          </p:cNvPr>
+          <p:cNvSpPr>
+            <a:spLocks noGrp="1"/>
+          </p:cNvSpPr>
+          <p:nvPr>
+            <p:ph type="title"/>
+          </p:nvPr>
+        </p:nvSpPr>
+        <p:spPr/>
+        <p:txBody>
+          <a:bodyPr/>
+          <a:lstStyle/>
+          <a:p>
+            <a:r>
+              <a:rPr lang="fr-FR" dirty="0"/>
+              <a:t>ULN2803</a:t>
+            </a:r>
+          </a:p>
+        </p:txBody>
+      </p:sp>
+      <p:sp>
+        <p:nvSpPr>
+          <p:cNvPr id="3" name="Espace réservé du contenu 2">
+            <a:extLst>
+              <a:ext uri="{FF2B5EF4-FFF2-40B4-BE49-F238E27FC236}">
+                <a16:creationId xmlns:a16="http://schemas.microsoft.com/office/drawing/2014/main" id="{9C3B160B-BBF4-63D9-BFE1-B055BD6AD3CE}"/>
+              </a:ext>
+            </a:extLst>
+          </p:cNvPr>
+          <p:cNvSpPr>
+            <a:spLocks noGrp="1"/>
+          </p:cNvSpPr>
+          <p:nvPr>
+            <p:ph idx="1"/>
+          </p:nvPr>
+        </p:nvSpPr>
+        <p:spPr/>
+        <p:txBody>
+          <a:bodyPr/>
+          <a:lstStyle/>
+          <a:p>
+            <a:r>
+              <a:rPr lang="fr-FR" dirty="0"/>
+              <a:t>Les </a:t>
+            </a:r>
+            <a:r>
+              <a:rPr lang="fr-FR" dirty="0" err="1"/>
+              <a:t>micro-contrôleurs</a:t>
+            </a:r>
+            <a:r>
+              <a:rPr lang="fr-FR" dirty="0"/>
+              <a:t> ne peuvent pas gérer &gt; 5v</a:t>
+            </a:r>
+          </a:p>
+          <a:p>
+            <a:pPr lvl="1"/>
+            <a:r>
+              <a:rPr lang="fr-FR" dirty="0"/>
+              <a:t>Pour gérer des tensions &gt; 5v jusqu'à 50v il faut un ULN2803</a:t>
+            </a:r>
+          </a:p>
+          <a:p>
+            <a:r>
+              <a:rPr lang="fr-FR" dirty="0"/>
+              <a:t>Par exemple</a:t>
+            </a:r>
+          </a:p>
+          <a:p>
+            <a:pPr lvl="1"/>
+            <a:r>
+              <a:rPr lang="fr-FR" dirty="0"/>
+              <a:t>Sorties digitales sur pins 1 à 8</a:t>
+            </a:r>
+          </a:p>
+          <a:p>
+            <a:pPr lvl="1"/>
+            <a:r>
+              <a:rPr lang="fr-FR" dirty="0"/>
+              <a:t>GND sur GND</a:t>
+            </a:r>
+          </a:p>
+          <a:p>
+            <a:pPr lvl="1"/>
+            <a:r>
+              <a:rPr lang="fr-FR" dirty="0"/>
+              <a:t>12V sur pin 10</a:t>
+            </a:r>
+          </a:p>
+          <a:p>
+            <a:pPr lvl="1"/>
+            <a:r>
+              <a:rPr lang="fr-FR" dirty="0"/>
+              <a:t>La sortie est inversée</a:t>
+            </a:r>
+          </a:p>
+          <a:p>
+            <a:pPr lvl="1"/>
+            <a:r>
+              <a:rPr lang="fr-FR" dirty="0"/>
+              <a:t>5v sur 5 =&gt; LOW sur 14 (OUT5)</a:t>
+            </a:r>
+          </a:p>
+          <a:p>
+            <a:pPr lvl="1"/>
+            <a:r>
+              <a:rPr lang="fr-FR" dirty="0"/>
+              <a:t>5v sur 6 =&gt; HIGH sur 13 (OUT6)</a:t>
+            </a:r>
+          </a:p>
+          <a:p>
+            <a:pPr lvl="1"/>
+            <a:r>
+              <a:rPr lang="fr-FR" dirty="0"/>
+              <a:t>Seuil de </a:t>
+            </a:r>
+            <a:r>
+              <a:rPr lang="fr-FR"/>
+              <a:t>déclenchement entre 2v et 3v</a:t>
+            </a:r>
+            <a:endParaRPr lang="fr-FR" dirty="0"/>
+          </a:p>
+        </p:txBody>
+      </p:sp>
+      <p:pic>
+        <p:nvPicPr>
+          <p:cNvPr id="1026" name="Picture 2" descr="Le circuit intégré ULN 2803 : octuple driver d&amp;rsquo;amplification de puissance ON/OFF">
+            <a:extLst>
+              <a:ext uri="{FF2B5EF4-FFF2-40B4-BE49-F238E27FC236}">
+                <a16:creationId xmlns:a16="http://schemas.microsoft.com/office/drawing/2014/main" id="{4C2B5834-F64B-6D7C-35A8-51FE59B14AD8}"/>
+              </a:ext>
+            </a:extLst>
+          </p:cNvPr>
+          <p:cNvPicPr>
+            <a:picLocks noChangeAspect="1" noChangeArrowheads="1"/>
+          </p:cNvPicPr>
+          <p:nvPr/>
+        </p:nvPicPr>
+        <p:blipFill>
+          <a:blip r:embed="rId2">
+            <a:extLst>
+              <a:ext uri="{28A0092B-C50C-407E-A947-70E740481C1C}">
+                <a14:useLocalDpi xmlns:a14="http://schemas.microsoft.com/office/drawing/2010/main" val="0"/>
+              </a:ext>
+            </a:extLst>
+          </a:blip>
+          <a:srcRect/>
+          <a:stretch>
+            <a:fillRect/>
+          </a:stretch>
+        </p:blipFill>
+        <p:spPr bwMode="auto">
+          <a:xfrm>
+            <a:off x="5940152" y="2780928"/>
+            <a:ext cx="2534022" cy="3013950"/>
+          </a:xfrm>
+          <a:prstGeom prst="rect">
+            <a:avLst/>
+          </a:prstGeom>
+          <a:noFill/>
+          <a:extLst>
+            <a:ext uri="{909E8E84-426E-40DD-AFC4-6F175D3DCCD1}">
+              <a14:hiddenFill xmlns:a14="http://schemas.microsoft.com/office/drawing/2010/main">
+                <a:solidFill>
+                  <a:srgbClr val="FFFFFF"/>
+                </a:solidFill>
+              </a14:hiddenFill>
+            </a:ext>
+          </a:extLst>
+        </p:spPr>
+      </p:pic>
+      <p:pic>
+        <p:nvPicPr>
+          <p:cNvPr id="8" name="Image 7">
+            <a:extLst>
+              <a:ext uri="{FF2B5EF4-FFF2-40B4-BE49-F238E27FC236}">
+                <a16:creationId xmlns:a16="http://schemas.microsoft.com/office/drawing/2014/main" id="{5FE58307-A2C6-B421-1B5B-D9D26F43B76C}"/>
+              </a:ext>
+            </a:extLst>
+          </p:cNvPr>
+          <p:cNvPicPr>
+            <a:picLocks noChangeAspect="1"/>
+          </p:cNvPicPr>
+          <p:nvPr/>
+        </p:nvPicPr>
+        <p:blipFill>
+          <a:blip r:embed="rId3"/>
+          <a:stretch>
+            <a:fillRect/>
+          </a:stretch>
+        </p:blipFill>
+        <p:spPr>
+          <a:xfrm>
+            <a:off x="6588224" y="61857"/>
+            <a:ext cx="1819529" cy="1333686"/>
+          </a:xfrm>
+          <a:prstGeom prst="rect">
+            <a:avLst/>
+          </a:prstGeom>
+        </p:spPr>
+      </p:pic>
+    </p:spTree>
+    <p:extLst>
+      <p:ext uri="{BB962C8B-B14F-4D97-AF65-F5344CB8AC3E}">
+        <p14:creationId xmlns:p14="http://schemas.microsoft.com/office/powerpoint/2010/main" val="3129731323"/>
+      </p:ext>
+    </p:extLst>
+  </p:cSld>
+  <p:clrMapOvr>
+    <a:masterClrMapping/>
+  </p:clrMapOvr>
+</p:sld>
+</file>
+
+<file path=ppt/slides/slide3.xml><?xml version="1.0" encoding="utf-8"?>
+<p:sld xmlns:a="http://schemas.openxmlformats.org/drawingml/2006/main" xmlns:r="http://schemas.openxmlformats.org/officeDocument/2006/relationships" xmlns:p="http://schemas.openxmlformats.org/presentationml/2006/main">
+  <p:cSld>
+    <p:spTree>
+      <p:nvGrpSpPr>
+        <p:cNvPr id="1" name=""/>
+        <p:cNvGrpSpPr/>
+        <p:nvPr/>
+      </p:nvGrpSpPr>
+      <p:grpSpPr>
+        <a:xfrm>
+          <a:off x="0" y="0"/>
+          <a:ext cx="0" cy="0"/>
+          <a:chOff x="0" y="0"/>
+          <a:chExt cx="0" cy="0"/>
+        </a:xfrm>
+      </p:grpSpPr>
+      <p:sp>
+        <p:nvSpPr>
+          <p:cNvPr id="2" name="Titre 1"/>
+          <p:cNvSpPr>
+            <a:spLocks noGrp="1"/>
+          </p:cNvSpPr>
+          <p:nvPr>
+            <p:ph type="title"/>
+          </p:nvPr>
+        </p:nvSpPr>
+        <p:spPr/>
+        <p:txBody>
+          <a:bodyPr/>
+          <a:lstStyle/>
+          <a:p>
+            <a:r>
+              <a:rPr lang="fr-FR" dirty="0"/>
+              <a:t>Time</a:t>
+            </a:r>
+          </a:p>
+        </p:txBody>
+      </p:sp>
+      <p:sp>
+        <p:nvSpPr>
+          <p:cNvPr id="3" name="Espace réservé du contenu 2"/>
+          <p:cNvSpPr>
+            <a:spLocks noGrp="1"/>
+          </p:cNvSpPr>
+          <p:nvPr>
+            <p:ph idx="1"/>
+          </p:nvPr>
+        </p:nvSpPr>
+        <p:spPr/>
+        <p:txBody>
+          <a:bodyPr/>
+          <a:lstStyle/>
+          <a:p>
+            <a:r>
+              <a:rPr lang="fr-FR" dirty="0"/>
+              <a:t>Une boucle est trop rapide</a:t>
+            </a:r>
+          </a:p>
+          <a:p>
+            <a:r>
+              <a:rPr lang="fr-FR" dirty="0"/>
+              <a:t>Le module time possède les fonctions de </a:t>
+            </a:r>
+            <a:r>
+              <a:rPr lang="fr-FR" dirty="0" err="1"/>
+              <a:t>sleep</a:t>
+            </a:r>
+            <a:endParaRPr lang="fr-FR" dirty="0"/>
+          </a:p>
+          <a:p>
+            <a:r>
+              <a:rPr lang="fr-FR" dirty="0" err="1"/>
+              <a:t>sleep</a:t>
+            </a:r>
+            <a:r>
+              <a:rPr lang="fr-FR" dirty="0"/>
+              <a:t>() permet d'effectuer une pause en seconde</a:t>
+            </a:r>
+          </a:p>
+          <a:p>
+            <a:r>
+              <a:rPr lang="fr-FR" dirty="0" err="1"/>
+              <a:t>sleep_ms</a:t>
+            </a:r>
+            <a:r>
+              <a:rPr lang="fr-FR" dirty="0"/>
+              <a:t>() permet d'effectuer une pause en milliseconde</a:t>
+            </a:r>
+          </a:p>
+          <a:p>
+            <a:r>
+              <a:rPr lang="fr-FR" dirty="0" err="1"/>
+              <a:t>sleep_ms</a:t>
+            </a:r>
+            <a:r>
+              <a:rPr lang="fr-FR" dirty="0"/>
+              <a:t>(1000)</a:t>
+            </a:r>
+          </a:p>
+          <a:p>
+            <a:pPr lvl="1"/>
+            <a:r>
+              <a:rPr lang="fr-FR" dirty="0"/>
+              <a:t>Pause de 1s</a:t>
+            </a:r>
+          </a:p>
+          <a:p>
+            <a:pPr lvl="1"/>
+            <a:r>
+              <a:rPr lang="fr-FR" dirty="0"/>
+              <a:t>Quasi obligatoire dans un </a:t>
+            </a:r>
+            <a:r>
+              <a:rPr lang="fr-FR" dirty="0" err="1"/>
+              <a:t>loop</a:t>
+            </a:r>
+            <a:endParaRPr lang="fr-FR" dirty="0"/>
+          </a:p>
+        </p:txBody>
+      </p:sp>
+    </p:spTree>
+    <p:extLst>
+      <p:ext uri="{BB962C8B-B14F-4D97-AF65-F5344CB8AC3E}">
+        <p14:creationId xmlns:p14="http://schemas.microsoft.com/office/powerpoint/2010/main" val="370465397"/>
+      </p:ext>
+    </p:extLst>
+  </p:cSld>
+  <p:clrMapOvr>
+    <a:masterClrMapping/>
+  </p:clrMapOvr>
+</p:sld>
+</file>
+
+<file path=ppt/slides/slide30.xml><?xml version="1.0" encoding="utf-8"?>
+<p:sld xmlns:a="http://schemas.openxmlformats.org/drawingml/2006/main" xmlns:r="http://schemas.openxmlformats.org/officeDocument/2006/relationships" xmlns:p="http://schemas.openxmlformats.org/presentationml/2006/main">
+  <p:cSld>
+    <p:spTree>
+      <p:nvGrpSpPr>
+        <p:cNvPr id="1" name=""/>
+        <p:cNvGrpSpPr/>
+        <p:nvPr/>
+      </p:nvGrpSpPr>
+      <p:grpSpPr>
+        <a:xfrm>
+          <a:off x="0" y="0"/>
+          <a:ext cx="0" cy="0"/>
+          <a:chOff x="0" y="0"/>
+          <a:chExt cx="0" cy="0"/>
+        </a:xfrm>
+      </p:grpSpPr>
+      <p:sp>
+        <p:nvSpPr>
+          <p:cNvPr id="2" name="Titre 1">
+            <a:extLst>
+              <a:ext uri="{FF2B5EF4-FFF2-40B4-BE49-F238E27FC236}">
                 <a16:creationId xmlns:a16="http://schemas.microsoft.com/office/drawing/2014/main" id="{D99BDC3A-6B9C-4402-1297-8B15946E6810}"/>
               </a:ext>
             </a:extLst>
@@ -6879,140 +7252,6 @@
     <p:extLst>
       <p:ext uri="{BB962C8B-B14F-4D97-AF65-F5344CB8AC3E}">
         <p14:creationId xmlns:p14="http://schemas.microsoft.com/office/powerpoint/2010/main" val="700511113"/>
-      </p:ext>
-    </p:extLst>
-  </p:cSld>
-  <p:clrMapOvr>
-    <a:masterClrMapping/>
-  </p:clrMapOvr>
-</p:sld>
-</file>
-
-<file path=ppt/slides/slide3.xml><?xml version="1.0" encoding="utf-8"?>
-<p:sld xmlns:a="http://schemas.openxmlformats.org/drawingml/2006/main" xmlns:r="http://schemas.openxmlformats.org/officeDocument/2006/relationships" xmlns:p="http://schemas.openxmlformats.org/presentationml/2006/main">
-  <p:cSld>
-    <p:spTree>
-      <p:nvGrpSpPr>
-        <p:cNvPr id="1" name=""/>
-        <p:cNvGrpSpPr/>
-        <p:nvPr/>
-      </p:nvGrpSpPr>
-      <p:grpSpPr>
-        <a:xfrm>
-          <a:off x="0" y="0"/>
-          <a:ext cx="0" cy="0"/>
-          <a:chOff x="0" y="0"/>
-          <a:chExt cx="0" cy="0"/>
-        </a:xfrm>
-      </p:grpSpPr>
-      <p:sp>
-        <p:nvSpPr>
-          <p:cNvPr id="2" name="Titre 1"/>
-          <p:cNvSpPr>
-            <a:spLocks noGrp="1"/>
-          </p:cNvSpPr>
-          <p:nvPr>
-            <p:ph type="title"/>
-          </p:nvPr>
-        </p:nvSpPr>
-        <p:spPr/>
-        <p:txBody>
-          <a:bodyPr/>
-          <a:lstStyle/>
-          <a:p>
-            <a:r>
-              <a:rPr lang="fr-FR" dirty="0"/>
-              <a:t>Time</a:t>
-            </a:r>
-          </a:p>
-        </p:txBody>
-      </p:sp>
-      <p:sp>
-        <p:nvSpPr>
-          <p:cNvPr id="3" name="Espace réservé du contenu 2"/>
-          <p:cNvSpPr>
-            <a:spLocks noGrp="1"/>
-          </p:cNvSpPr>
-          <p:nvPr>
-            <p:ph idx="1"/>
-          </p:nvPr>
-        </p:nvSpPr>
-        <p:spPr/>
-        <p:txBody>
-          <a:bodyPr/>
-          <a:lstStyle/>
-          <a:p>
-            <a:r>
-              <a:rPr lang="fr-FR" dirty="0"/>
-              <a:t>Une boucle est trop rapide</a:t>
-            </a:r>
-          </a:p>
-          <a:p>
-            <a:r>
-              <a:rPr lang="fr-FR" dirty="0"/>
-              <a:t>Le module time possède les fonctions de </a:t>
-            </a:r>
-            <a:r>
-              <a:rPr lang="fr-FR" dirty="0" err="1"/>
-              <a:t>sleep</a:t>
-            </a:r>
-            <a:endParaRPr lang="fr-FR" dirty="0"/>
-          </a:p>
-          <a:p>
-            <a:r>
-              <a:rPr lang="fr-FR" dirty="0" err="1"/>
-              <a:t>sleep</a:t>
-            </a:r>
-            <a:r>
-              <a:rPr lang="fr-FR" dirty="0"/>
-              <a:t>() permet d'effectuer une pause en seconde</a:t>
-            </a:r>
-          </a:p>
-          <a:p>
-            <a:r>
-              <a:rPr lang="fr-FR" dirty="0" err="1"/>
-              <a:t>sleep_ms</a:t>
-            </a:r>
-            <a:r>
-              <a:rPr lang="fr-FR" dirty="0"/>
-              <a:t>() permet d'effectuer une pause en milliseconde</a:t>
-            </a:r>
-          </a:p>
-          <a:p>
-            <a:r>
-              <a:rPr lang="fr-FR" dirty="0" err="1"/>
-              <a:t>sleep_ms</a:t>
-            </a:r>
-            <a:r>
-              <a:rPr lang="fr-FR" dirty="0"/>
-              <a:t>(1000)</a:t>
-            </a:r>
-          </a:p>
-          <a:p>
-            <a:pPr lvl="1"/>
-            <a:r>
-              <a:rPr lang="fr-FR" dirty="0"/>
-              <a:t>Pause de 1s</a:t>
-            </a:r>
-          </a:p>
-          <a:p>
-            <a:pPr lvl="1"/>
-            <a:r>
-              <a:rPr lang="fr-FR" dirty="0"/>
-              <a:t>Quasi obligatoire dans un </a:t>
-            </a:r>
-            <a:r>
-              <a:rPr lang="fr-FR" dirty="0" err="1"/>
-              <a:t>loop</a:t>
-            </a:r>
-            <a:endParaRPr lang="fr-FR" dirty="0"/>
-          </a:p>
-        </p:txBody>
-      </p:sp>
-    </p:spTree>
-    <p:extLst>
-      <p:ext uri="{BB962C8B-B14F-4D97-AF65-F5344CB8AC3E}">
-        <p14:creationId xmlns:p14="http://schemas.microsoft.com/office/powerpoint/2010/main" val="370465397"/>
       </p:ext>
     </p:extLst>
   </p:cSld>

--- a/ppt/IoT19-MicropythonDev.pptx
+++ b/ppt/IoT19-MicropythonDev.pptx
@@ -5,10 +5,10 @@
     <p:sldMasterId id="2147483653" r:id="rId1"/>
   </p:sldMasterIdLst>
   <p:notesMasterIdLst>
-    <p:notesMasterId r:id="rId32"/>
+    <p:notesMasterId r:id="rId34"/>
   </p:notesMasterIdLst>
   <p:handoutMasterIdLst>
-    <p:handoutMasterId r:id="rId33"/>
+    <p:handoutMasterId r:id="rId35"/>
   </p:handoutMasterIdLst>
   <p:sldIdLst>
     <p:sldId id="264" r:id="rId2"/>
@@ -39,8 +39,10 @@
     <p:sldId id="305" r:id="rId27"/>
     <p:sldId id="306" r:id="rId28"/>
     <p:sldId id="307" r:id="rId29"/>
-    <p:sldId id="310" r:id="rId30"/>
-    <p:sldId id="309" r:id="rId31"/>
+    <p:sldId id="311" r:id="rId30"/>
+    <p:sldId id="312" r:id="rId31"/>
+    <p:sldId id="310" r:id="rId32"/>
+    <p:sldId id="309" r:id="rId33"/>
   </p:sldIdLst>
   <p:sldSz cx="9144000" cy="6858000" type="screen4x3"/>
   <p:notesSz cx="6648450" cy="9782175"/>
@@ -3823,6 +3825,13 @@
               <a:t>Permet d'avoir une entrée numérique</a:t>
             </a:r>
           </a:p>
+          <a:p>
+            <a:pPr lvl="1"/>
+            <a:r>
+              <a:rPr lang="fr-FR" dirty="0"/>
+              <a:t>Fragile</a:t>
+            </a:r>
+          </a:p>
         </p:txBody>
       </p:sp>
       <p:pic>
@@ -3854,8 +3863,8 @@
         </p:blipFill>
         <p:spPr bwMode="auto">
           <a:xfrm>
-            <a:off x="611560" y="1999109"/>
-            <a:ext cx="7776864" cy="4374486"/>
+            <a:off x="1259631" y="2379721"/>
+            <a:ext cx="7191337" cy="4045127"/>
           </a:xfrm>
           <a:prstGeom prst="rect">
             <a:avLst/>
@@ -6764,6 +6773,423 @@
           <p:cNvPr id="2" name="Titre 1">
             <a:extLst>
               <a:ext uri="{FF2B5EF4-FFF2-40B4-BE49-F238E27FC236}">
+                <a16:creationId xmlns:a16="http://schemas.microsoft.com/office/drawing/2014/main" id="{3346CC45-1A66-7AB0-971B-AC033DF17F02}"/>
+              </a:ext>
+            </a:extLst>
+          </p:cNvPr>
+          <p:cNvSpPr>
+            <a:spLocks noGrp="1"/>
+          </p:cNvSpPr>
+          <p:nvPr>
+            <p:ph type="title"/>
+          </p:nvPr>
+        </p:nvSpPr>
+        <p:spPr/>
+        <p:txBody>
+          <a:bodyPr/>
+          <a:lstStyle/>
+          <a:p>
+            <a:r>
+              <a:rPr lang="fr-FR" dirty="0"/>
+              <a:t>Limites d'intensité</a:t>
+            </a:r>
+          </a:p>
+        </p:txBody>
+      </p:sp>
+      <p:sp>
+        <p:nvSpPr>
+          <p:cNvPr id="3" name="Espace réservé du contenu 2">
+            <a:extLst>
+              <a:ext uri="{FF2B5EF4-FFF2-40B4-BE49-F238E27FC236}">
+                <a16:creationId xmlns:a16="http://schemas.microsoft.com/office/drawing/2014/main" id="{4ECD1B4A-9843-A548-161A-2C94B171FA8D}"/>
+              </a:ext>
+            </a:extLst>
+          </p:cNvPr>
+          <p:cNvSpPr>
+            <a:spLocks noGrp="1"/>
+          </p:cNvSpPr>
+          <p:nvPr>
+            <p:ph idx="1"/>
+          </p:nvPr>
+        </p:nvSpPr>
+        <p:spPr/>
+        <p:txBody>
+          <a:bodyPr/>
+          <a:lstStyle/>
+          <a:p>
+            <a:r>
+              <a:rPr lang="fr-FR" dirty="0"/>
+              <a:t>Les microcontrôleurs sont limités en puissance</a:t>
+            </a:r>
+          </a:p>
+          <a:p>
+            <a:pPr lvl="1"/>
+            <a:r>
+              <a:rPr lang="fr-FR" dirty="0"/>
+              <a:t>USB limité à 500mA en 5V soit 2.5W</a:t>
+            </a:r>
+          </a:p>
+          <a:p>
+            <a:pPr lvl="1"/>
+            <a:r>
+              <a:rPr lang="fr-FR" dirty="0"/>
+              <a:t>dont 200mA pour tous les pins</a:t>
+            </a:r>
+          </a:p>
+          <a:p>
+            <a:pPr lvl="1"/>
+            <a:r>
+              <a:rPr lang="fr-FR" dirty="0"/>
+              <a:t>Alimentation VIN limité à 1A en 5V soit 5W</a:t>
+            </a:r>
+          </a:p>
+          <a:p>
+            <a:pPr lvl="1"/>
+            <a:r>
+              <a:rPr lang="fr-FR" dirty="0"/>
+              <a:t>dont 500mA pour tous les pins</a:t>
+            </a:r>
+          </a:p>
+          <a:p>
+            <a:pPr lvl="1"/>
+            <a:r>
+              <a:rPr lang="fr-FR" dirty="0"/>
+              <a:t>Chaque pin est limité à 20mA</a:t>
+            </a:r>
+          </a:p>
+          <a:p>
+            <a:r>
+              <a:rPr lang="fr-FR" dirty="0"/>
+              <a:t>Pour alimenter plus que les </a:t>
+            </a:r>
+            <a:r>
+              <a:rPr lang="fr-FR" dirty="0" err="1"/>
+              <a:t>limittes</a:t>
+            </a:r>
+            <a:r>
+              <a:rPr lang="fr-FR" dirty="0"/>
+              <a:t> il faut un relais de puissance par transistor NPN</a:t>
+            </a:r>
+          </a:p>
+          <a:p>
+            <a:pPr lvl="1"/>
+            <a:endParaRPr lang="fr-FR" dirty="0"/>
+          </a:p>
+        </p:txBody>
+      </p:sp>
+    </p:spTree>
+    <p:extLst>
+      <p:ext uri="{BB962C8B-B14F-4D97-AF65-F5344CB8AC3E}">
+        <p14:creationId xmlns:p14="http://schemas.microsoft.com/office/powerpoint/2010/main" val="3819151637"/>
+      </p:ext>
+    </p:extLst>
+  </p:cSld>
+  <p:clrMapOvr>
+    <a:masterClrMapping/>
+  </p:clrMapOvr>
+</p:sld>
+</file>
+
+<file path=ppt/slides/slide3.xml><?xml version="1.0" encoding="utf-8"?>
+<p:sld xmlns:a="http://schemas.openxmlformats.org/drawingml/2006/main" xmlns:r="http://schemas.openxmlformats.org/officeDocument/2006/relationships" xmlns:p="http://schemas.openxmlformats.org/presentationml/2006/main">
+  <p:cSld>
+    <p:spTree>
+      <p:nvGrpSpPr>
+        <p:cNvPr id="1" name=""/>
+        <p:cNvGrpSpPr/>
+        <p:nvPr/>
+      </p:nvGrpSpPr>
+      <p:grpSpPr>
+        <a:xfrm>
+          <a:off x="0" y="0"/>
+          <a:ext cx="0" cy="0"/>
+          <a:chOff x="0" y="0"/>
+          <a:chExt cx="0" cy="0"/>
+        </a:xfrm>
+      </p:grpSpPr>
+      <p:sp>
+        <p:nvSpPr>
+          <p:cNvPr id="2" name="Titre 1"/>
+          <p:cNvSpPr>
+            <a:spLocks noGrp="1"/>
+          </p:cNvSpPr>
+          <p:nvPr>
+            <p:ph type="title"/>
+          </p:nvPr>
+        </p:nvSpPr>
+        <p:spPr/>
+        <p:txBody>
+          <a:bodyPr/>
+          <a:lstStyle/>
+          <a:p>
+            <a:r>
+              <a:rPr lang="fr-FR" dirty="0"/>
+              <a:t>Time</a:t>
+            </a:r>
+          </a:p>
+        </p:txBody>
+      </p:sp>
+      <p:sp>
+        <p:nvSpPr>
+          <p:cNvPr id="3" name="Espace réservé du contenu 2"/>
+          <p:cNvSpPr>
+            <a:spLocks noGrp="1"/>
+          </p:cNvSpPr>
+          <p:nvPr>
+            <p:ph idx="1"/>
+          </p:nvPr>
+        </p:nvSpPr>
+        <p:spPr/>
+        <p:txBody>
+          <a:bodyPr/>
+          <a:lstStyle/>
+          <a:p>
+            <a:r>
+              <a:rPr lang="fr-FR" dirty="0"/>
+              <a:t>Une boucle est trop rapide</a:t>
+            </a:r>
+          </a:p>
+          <a:p>
+            <a:r>
+              <a:rPr lang="fr-FR" dirty="0"/>
+              <a:t>Le module time possède les fonctions de </a:t>
+            </a:r>
+            <a:r>
+              <a:rPr lang="fr-FR" dirty="0" err="1"/>
+              <a:t>sleep</a:t>
+            </a:r>
+            <a:endParaRPr lang="fr-FR" dirty="0"/>
+          </a:p>
+          <a:p>
+            <a:r>
+              <a:rPr lang="fr-FR" dirty="0" err="1"/>
+              <a:t>sleep</a:t>
+            </a:r>
+            <a:r>
+              <a:rPr lang="fr-FR" dirty="0"/>
+              <a:t>() permet d'effectuer une pause en seconde</a:t>
+            </a:r>
+          </a:p>
+          <a:p>
+            <a:r>
+              <a:rPr lang="fr-FR" dirty="0" err="1"/>
+              <a:t>sleep_ms</a:t>
+            </a:r>
+            <a:r>
+              <a:rPr lang="fr-FR" dirty="0"/>
+              <a:t>() permet d'effectuer une pause en milliseconde</a:t>
+            </a:r>
+          </a:p>
+          <a:p>
+            <a:r>
+              <a:rPr lang="fr-FR" dirty="0" err="1"/>
+              <a:t>sleep_ms</a:t>
+            </a:r>
+            <a:r>
+              <a:rPr lang="fr-FR" dirty="0"/>
+              <a:t>(1000)</a:t>
+            </a:r>
+          </a:p>
+          <a:p>
+            <a:pPr lvl="1"/>
+            <a:r>
+              <a:rPr lang="fr-FR" dirty="0"/>
+              <a:t>Pause de 1s</a:t>
+            </a:r>
+          </a:p>
+          <a:p>
+            <a:pPr lvl="1"/>
+            <a:r>
+              <a:rPr lang="fr-FR" dirty="0"/>
+              <a:t>Quasi obligatoire dans un </a:t>
+            </a:r>
+            <a:r>
+              <a:rPr lang="fr-FR" dirty="0" err="1"/>
+              <a:t>loop</a:t>
+            </a:r>
+            <a:endParaRPr lang="fr-FR" dirty="0"/>
+          </a:p>
+        </p:txBody>
+      </p:sp>
+    </p:spTree>
+    <p:extLst>
+      <p:ext uri="{BB962C8B-B14F-4D97-AF65-F5344CB8AC3E}">
+        <p14:creationId xmlns:p14="http://schemas.microsoft.com/office/powerpoint/2010/main" val="370465397"/>
+      </p:ext>
+    </p:extLst>
+  </p:cSld>
+  <p:clrMapOvr>
+    <a:masterClrMapping/>
+  </p:clrMapOvr>
+</p:sld>
+</file>
+
+<file path=ppt/slides/slide30.xml><?xml version="1.0" encoding="utf-8"?>
+<p:sld xmlns:a="http://schemas.openxmlformats.org/drawingml/2006/main" xmlns:r="http://schemas.openxmlformats.org/officeDocument/2006/relationships" xmlns:p="http://schemas.openxmlformats.org/presentationml/2006/main">
+  <p:cSld>
+    <p:spTree>
+      <p:nvGrpSpPr>
+        <p:cNvPr id="1" name=""/>
+        <p:cNvGrpSpPr/>
+        <p:nvPr/>
+      </p:nvGrpSpPr>
+      <p:grpSpPr>
+        <a:xfrm>
+          <a:off x="0" y="0"/>
+          <a:ext cx="0" cy="0"/>
+          <a:chOff x="0" y="0"/>
+          <a:chExt cx="0" cy="0"/>
+        </a:xfrm>
+      </p:grpSpPr>
+      <p:sp>
+        <p:nvSpPr>
+          <p:cNvPr id="2" name="Titre 1">
+            <a:extLst>
+              <a:ext uri="{FF2B5EF4-FFF2-40B4-BE49-F238E27FC236}">
+                <a16:creationId xmlns:a16="http://schemas.microsoft.com/office/drawing/2014/main" id="{37CDFAC0-7DF8-2614-7074-C8FD59D245D5}"/>
+              </a:ext>
+            </a:extLst>
+          </p:cNvPr>
+          <p:cNvSpPr>
+            <a:spLocks noGrp="1"/>
+          </p:cNvSpPr>
+          <p:nvPr>
+            <p:ph type="title"/>
+          </p:nvPr>
+        </p:nvSpPr>
+        <p:spPr/>
+        <p:txBody>
+          <a:bodyPr/>
+          <a:lstStyle/>
+          <a:p>
+            <a:r>
+              <a:rPr lang="fr-FR" dirty="0"/>
+              <a:t>Basse tension</a:t>
+            </a:r>
+          </a:p>
+        </p:txBody>
+      </p:sp>
+      <p:sp>
+        <p:nvSpPr>
+          <p:cNvPr id="3" name="Espace réservé du contenu 2">
+            <a:extLst>
+              <a:ext uri="{FF2B5EF4-FFF2-40B4-BE49-F238E27FC236}">
+                <a16:creationId xmlns:a16="http://schemas.microsoft.com/office/drawing/2014/main" id="{0B84D8E4-12CB-8A3D-F5F7-25EF8D86EE8A}"/>
+              </a:ext>
+            </a:extLst>
+          </p:cNvPr>
+          <p:cNvSpPr>
+            <a:spLocks noGrp="1"/>
+          </p:cNvSpPr>
+          <p:nvPr>
+            <p:ph idx="1"/>
+          </p:nvPr>
+        </p:nvSpPr>
+        <p:spPr/>
+        <p:txBody>
+          <a:bodyPr/>
+          <a:lstStyle/>
+          <a:p>
+            <a:r>
+              <a:rPr lang="fr-FR" dirty="0"/>
+              <a:t>Pour la basse tension et des intensités &gt; 0.2A</a:t>
+            </a:r>
+          </a:p>
+          <a:p>
+            <a:r>
+              <a:rPr lang="fr-FR" dirty="0"/>
+              <a:t>Utiliser des transistor NPN avec une alimentation VIN</a:t>
+            </a:r>
+          </a:p>
+          <a:p>
+            <a:endParaRPr lang="fr-FR" dirty="0"/>
+          </a:p>
+          <a:p>
+            <a:endParaRPr lang="fr-FR" dirty="0"/>
+          </a:p>
+          <a:p>
+            <a:endParaRPr lang="fr-FR" dirty="0"/>
+          </a:p>
+          <a:p>
+            <a:endParaRPr lang="fr-FR" dirty="0"/>
+          </a:p>
+          <a:p>
+            <a:endParaRPr lang="fr-FR" dirty="0"/>
+          </a:p>
+          <a:p>
+            <a:pPr lvl="1"/>
+            <a:r>
+              <a:rPr lang="fr-FR" dirty="0"/>
+              <a:t>Pour des puissances &gt; 2.5W ne pas utiliser VIN mais une alimentation externe</a:t>
+            </a:r>
+          </a:p>
+        </p:txBody>
+      </p:sp>
+      <p:pic>
+        <p:nvPicPr>
+          <p:cNvPr id="5" name="Image 4">
+            <a:extLst>
+              <a:ext uri="{FF2B5EF4-FFF2-40B4-BE49-F238E27FC236}">
+                <a16:creationId xmlns:a16="http://schemas.microsoft.com/office/drawing/2014/main" id="{2FA3B3AC-09F4-2151-7598-0628409CD8FF}"/>
+              </a:ext>
+            </a:extLst>
+          </p:cNvPr>
+          <p:cNvPicPr>
+            <a:picLocks noChangeAspect="1"/>
+          </p:cNvPicPr>
+          <p:nvPr/>
+        </p:nvPicPr>
+        <p:blipFill>
+          <a:blip r:embed="rId2"/>
+          <a:stretch>
+            <a:fillRect/>
+          </a:stretch>
+        </p:blipFill>
+        <p:spPr>
+          <a:xfrm>
+            <a:off x="3995936" y="2708920"/>
+            <a:ext cx="2943636" cy="2600688"/>
+          </a:xfrm>
+          <a:prstGeom prst="rect">
+            <a:avLst/>
+          </a:prstGeom>
+        </p:spPr>
+      </p:pic>
+    </p:spTree>
+    <p:extLst>
+      <p:ext uri="{BB962C8B-B14F-4D97-AF65-F5344CB8AC3E}">
+        <p14:creationId xmlns:p14="http://schemas.microsoft.com/office/powerpoint/2010/main" val="1440306612"/>
+      </p:ext>
+    </p:extLst>
+  </p:cSld>
+  <p:clrMapOvr>
+    <a:masterClrMapping/>
+  </p:clrMapOvr>
+</p:sld>
+</file>
+
+<file path=ppt/slides/slide31.xml><?xml version="1.0" encoding="utf-8"?>
+<p:sld xmlns:a="http://schemas.openxmlformats.org/drawingml/2006/main" xmlns:r="http://schemas.openxmlformats.org/officeDocument/2006/relationships" xmlns:p="http://schemas.openxmlformats.org/presentationml/2006/main">
+  <p:cSld>
+    <p:spTree>
+      <p:nvGrpSpPr>
+        <p:cNvPr id="1" name=""/>
+        <p:cNvGrpSpPr/>
+        <p:nvPr/>
+      </p:nvGrpSpPr>
+      <p:grpSpPr>
+        <a:xfrm>
+          <a:off x="0" y="0"/>
+          <a:ext cx="0" cy="0"/>
+          <a:chOff x="0" y="0"/>
+          <a:chExt cx="0" cy="0"/>
+        </a:xfrm>
+      </p:grpSpPr>
+      <p:sp>
+        <p:nvSpPr>
+          <p:cNvPr id="2" name="Titre 1">
+            <a:extLst>
+              <a:ext uri="{FF2B5EF4-FFF2-40B4-BE49-F238E27FC236}">
                 <a16:creationId xmlns:a16="http://schemas.microsoft.com/office/drawing/2014/main" id="{277B39C7-26DD-8EF2-D4BE-5FD5834FFDBE}"/>
               </a:ext>
             </a:extLst>
@@ -6782,7 +7208,7 @@
           <a:p>
             <a:r>
               <a:rPr lang="fr-FR" dirty="0"/>
-              <a:t>ULN2803</a:t>
+              <a:t>ULN</a:t>
             </a:r>
           </a:p>
         </p:txBody>
@@ -6810,28 +7236,46 @@
           <a:p>
             <a:r>
               <a:rPr lang="fr-FR" dirty="0"/>
-              <a:t>Les </a:t>
+              <a:t>Si vous avez besoins de plusieurs transistors</a:t>
+            </a:r>
+          </a:p>
+          <a:p>
+            <a:pPr lvl="1"/>
+            <a:r>
+              <a:rPr lang="fr-FR" dirty="0"/>
+              <a:t>Par exemple pour gérer 8 </a:t>
             </a:r>
             <a:r>
               <a:rPr lang="fr-FR" dirty="0" err="1"/>
-              <a:t>micro-contrôleurs</a:t>
-            </a:r>
-            <a:r>
-              <a:rPr lang="fr-FR" dirty="0"/>
-              <a:t> ne peuvent pas gérer &gt; 5v</a:t>
-            </a:r>
-          </a:p>
-          <a:p>
-            <a:pPr lvl="1"/>
-            <a:r>
-              <a:rPr lang="fr-FR" dirty="0"/>
-              <a:t>Pour gérer des tensions &gt; 5v jusqu'à 50v il faut un ULN2803</a:t>
-            </a:r>
-          </a:p>
-          <a:p>
-            <a:r>
-              <a:rPr lang="fr-FR" dirty="0"/>
-              <a:t>Par exemple</a:t>
+              <a:t>leds</a:t>
+            </a:r>
+            <a:endParaRPr lang="fr-FR" dirty="0"/>
+          </a:p>
+          <a:p>
+            <a:pPr lvl="1"/>
+            <a:r>
+              <a:rPr lang="fr-FR" dirty="0"/>
+              <a:t>Des tensions &gt; 5v ou des </a:t>
+            </a:r>
+            <a:r>
+              <a:rPr lang="fr-FR" dirty="0" err="1"/>
+              <a:t>leds</a:t>
+            </a:r>
+            <a:r>
+              <a:rPr lang="fr-FR" dirty="0"/>
+              <a:t> &gt; 20mA</a:t>
+            </a:r>
+          </a:p>
+          <a:p>
+            <a:r>
+              <a:rPr lang="fr-FR" dirty="0"/>
+              <a:t>Un ULN est un ensemble de transistor NPN</a:t>
+            </a:r>
+          </a:p>
+          <a:p>
+            <a:r>
+              <a:rPr lang="fr-FR" dirty="0"/>
+              <a:t>Par exemple pour une alimentation 12V</a:t>
             </a:r>
           </a:p>
           <a:p>
@@ -6859,13 +7303,6 @@
             <a:pPr lvl="1"/>
             <a:r>
               <a:rPr lang="fr-FR" dirty="0"/>
-              <a:t>La sortie est inversée</a:t>
-            </a:r>
-          </a:p>
-          <a:p>
-            <a:pPr lvl="1"/>
-            <a:r>
-              <a:rPr lang="fr-FR" dirty="0"/>
               <a:t>5v sur 5 =&gt; LOW sur 14 (OUT5)</a:t>
             </a:r>
           </a:p>
@@ -6880,13 +7317,8 @@
             <a:pPr lvl="1"/>
             <a:r>
               <a:rPr lang="fr-FR" dirty="0"/>
-              <a:t>Seuil de </a:t>
-            </a:r>
-            <a:r>
-              <a:rPr lang="fr-FR"/>
-              <a:t>déclenchement entre 2v et 3v</a:t>
-            </a:r>
-            <a:endParaRPr lang="fr-FR" dirty="0"/>
+              <a:t>Seuil de déclenchement entre 2v et 3v</a:t>
+            </a:r>
           </a:p>
         </p:txBody>
       </p:sp>
@@ -6919,7 +7351,7 @@
         </p:blipFill>
         <p:spPr bwMode="auto">
           <a:xfrm>
-            <a:off x="5940152" y="2780928"/>
+            <a:off x="6610589" y="3782193"/>
             <a:ext cx="2534022" cy="3013950"/>
           </a:xfrm>
           <a:prstGeom prst="rect">
@@ -6980,141 +7412,7 @@
 </p:sld>
 </file>
 
-<file path=ppt/slides/slide3.xml><?xml version="1.0" encoding="utf-8"?>
-<p:sld xmlns:a="http://schemas.openxmlformats.org/drawingml/2006/main" xmlns:r="http://schemas.openxmlformats.org/officeDocument/2006/relationships" xmlns:p="http://schemas.openxmlformats.org/presentationml/2006/main">
-  <p:cSld>
-    <p:spTree>
-      <p:nvGrpSpPr>
-        <p:cNvPr id="1" name=""/>
-        <p:cNvGrpSpPr/>
-        <p:nvPr/>
-      </p:nvGrpSpPr>
-      <p:grpSpPr>
-        <a:xfrm>
-          <a:off x="0" y="0"/>
-          <a:ext cx="0" cy="0"/>
-          <a:chOff x="0" y="0"/>
-          <a:chExt cx="0" cy="0"/>
-        </a:xfrm>
-      </p:grpSpPr>
-      <p:sp>
-        <p:nvSpPr>
-          <p:cNvPr id="2" name="Titre 1"/>
-          <p:cNvSpPr>
-            <a:spLocks noGrp="1"/>
-          </p:cNvSpPr>
-          <p:nvPr>
-            <p:ph type="title"/>
-          </p:nvPr>
-        </p:nvSpPr>
-        <p:spPr/>
-        <p:txBody>
-          <a:bodyPr/>
-          <a:lstStyle/>
-          <a:p>
-            <a:r>
-              <a:rPr lang="fr-FR" dirty="0"/>
-              <a:t>Time</a:t>
-            </a:r>
-          </a:p>
-        </p:txBody>
-      </p:sp>
-      <p:sp>
-        <p:nvSpPr>
-          <p:cNvPr id="3" name="Espace réservé du contenu 2"/>
-          <p:cNvSpPr>
-            <a:spLocks noGrp="1"/>
-          </p:cNvSpPr>
-          <p:nvPr>
-            <p:ph idx="1"/>
-          </p:nvPr>
-        </p:nvSpPr>
-        <p:spPr/>
-        <p:txBody>
-          <a:bodyPr/>
-          <a:lstStyle/>
-          <a:p>
-            <a:r>
-              <a:rPr lang="fr-FR" dirty="0"/>
-              <a:t>Une boucle est trop rapide</a:t>
-            </a:r>
-          </a:p>
-          <a:p>
-            <a:r>
-              <a:rPr lang="fr-FR" dirty="0"/>
-              <a:t>Le module time possède les fonctions de </a:t>
-            </a:r>
-            <a:r>
-              <a:rPr lang="fr-FR" dirty="0" err="1"/>
-              <a:t>sleep</a:t>
-            </a:r>
-            <a:endParaRPr lang="fr-FR" dirty="0"/>
-          </a:p>
-          <a:p>
-            <a:r>
-              <a:rPr lang="fr-FR" dirty="0" err="1"/>
-              <a:t>sleep</a:t>
-            </a:r>
-            <a:r>
-              <a:rPr lang="fr-FR" dirty="0"/>
-              <a:t>() permet d'effectuer une pause en seconde</a:t>
-            </a:r>
-          </a:p>
-          <a:p>
-            <a:r>
-              <a:rPr lang="fr-FR" dirty="0" err="1"/>
-              <a:t>sleep_ms</a:t>
-            </a:r>
-            <a:r>
-              <a:rPr lang="fr-FR" dirty="0"/>
-              <a:t>() permet d'effectuer une pause en milliseconde</a:t>
-            </a:r>
-          </a:p>
-          <a:p>
-            <a:r>
-              <a:rPr lang="fr-FR" dirty="0" err="1"/>
-              <a:t>sleep_ms</a:t>
-            </a:r>
-            <a:r>
-              <a:rPr lang="fr-FR" dirty="0"/>
-              <a:t>(1000)</a:t>
-            </a:r>
-          </a:p>
-          <a:p>
-            <a:pPr lvl="1"/>
-            <a:r>
-              <a:rPr lang="fr-FR" dirty="0"/>
-              <a:t>Pause de 1s</a:t>
-            </a:r>
-          </a:p>
-          <a:p>
-            <a:pPr lvl="1"/>
-            <a:r>
-              <a:rPr lang="fr-FR" dirty="0"/>
-              <a:t>Quasi obligatoire dans un </a:t>
-            </a:r>
-            <a:r>
-              <a:rPr lang="fr-FR" dirty="0" err="1"/>
-              <a:t>loop</a:t>
-            </a:r>
-            <a:endParaRPr lang="fr-FR" dirty="0"/>
-          </a:p>
-        </p:txBody>
-      </p:sp>
-    </p:spTree>
-    <p:extLst>
-      <p:ext uri="{BB962C8B-B14F-4D97-AF65-F5344CB8AC3E}">
-        <p14:creationId xmlns:p14="http://schemas.microsoft.com/office/powerpoint/2010/main" val="370465397"/>
-      </p:ext>
-    </p:extLst>
-  </p:cSld>
-  <p:clrMapOvr>
-    <a:masterClrMapping/>
-  </p:clrMapOvr>
-</p:sld>
-</file>
-
-<file path=ppt/slides/slide30.xml><?xml version="1.0" encoding="utf-8"?>
+<file path=ppt/slides/slide32.xml><?xml version="1.0" encoding="utf-8"?>
 <p:sld xmlns:a="http://schemas.openxmlformats.org/drawingml/2006/main" xmlns:r="http://schemas.openxmlformats.org/officeDocument/2006/relationships" xmlns:p="http://schemas.openxmlformats.org/presentationml/2006/main">
   <p:cSld>
     <p:spTree>
@@ -7771,23 +8069,49 @@
             <a:pPr lvl="1"/>
             <a:r>
               <a:rPr lang="fr-FR" dirty="0"/>
-              <a:t>Si vous branchez une LED sur le 3.3V elle brule </a:t>
-            </a:r>
-          </a:p>
-          <a:p>
-            <a:pPr lvl="1"/>
-            <a:r>
-              <a:rPr lang="fr-FR" dirty="0"/>
-              <a:t>Il faut donc une résistance</a:t>
-            </a:r>
-          </a:p>
-          <a:p>
+              <a:t>Si vous branchez une LED sur le 3.3V elle brule</a:t>
+            </a:r>
+          </a:p>
+          <a:p>
+            <a:pPr lvl="1"/>
             <a:r>
               <a:rPr lang="fr-FR" dirty="0" err="1"/>
               <a:t>Led</a:t>
             </a:r>
             <a:r>
               <a:rPr lang="fr-FR" dirty="0"/>
+              <a:t> 20mA, il faut donc une résistance (5% d'erreur)</a:t>
+            </a:r>
+          </a:p>
+          <a:p>
+            <a:pPr lvl="1"/>
+            <a:r>
+              <a:rPr lang="fr-FR" sz="2000" dirty="0"/>
+              <a:t>Très lumineux, ne pas hésiter </a:t>
+            </a:r>
+            <a:r>
+              <a:rPr lang="fr-FR" sz="2000"/>
+              <a:t>à prendre R </a:t>
+            </a:r>
+            <a:r>
+              <a:rPr lang="fr-FR" sz="2000" dirty="0"/>
+              <a:t>largement dessus</a:t>
+            </a:r>
+          </a:p>
+          <a:p>
+            <a:pPr lvl="1"/>
+            <a:r>
+              <a:rPr lang="fr-FR" sz="2000" dirty="0"/>
+              <a:t>Souvent utilisé à 15% de luminosité</a:t>
+            </a:r>
+          </a:p>
+          <a:p>
+            <a:r>
+              <a:rPr lang="fr-FR" dirty="0" err="1"/>
+              <a:t>Led</a:t>
+            </a:r>
+            <a:r>
+              <a:rPr lang="fr-FR" dirty="0"/>
               <a:t> CMS rouge (</a:t>
             </a:r>
             <a:r>
@@ -7796,85 +8120,74 @@
             </a:r>
             <a:r>
               <a:rPr lang="fr-FR" dirty="0"/>
-              <a:t> = 2.2v +/- 0.1v; I = 20mA)</a:t>
-            </a:r>
-          </a:p>
-          <a:p>
-            <a:pPr lvl="1"/>
-            <a:r>
-              <a:rPr lang="fr-FR" dirty="0" err="1"/>
+              <a:t> = 2v +/- 0.2v; I = 20mA)</a:t>
+            </a:r>
+          </a:p>
+          <a:p>
+            <a:pPr lvl="1"/>
+            <a:r>
+              <a:rPr lang="fr-FR" sz="2000" dirty="0" err="1"/>
               <a:t>Ua</a:t>
             </a:r>
             <a:r>
-              <a:rPr lang="fr-FR" dirty="0"/>
+              <a:rPr lang="fr-FR" sz="2000" dirty="0"/>
               <a:t> = 3.3V</a:t>
             </a:r>
           </a:p>
           <a:p>
             <a:pPr lvl="1"/>
             <a:r>
-              <a:rPr lang="fr-FR" dirty="0" err="1"/>
-              <a:t>dU</a:t>
-            </a:r>
-            <a:r>
-              <a:rPr lang="fr-FR" dirty="0"/>
+              <a:rPr lang="fr-FR" sz="2000" dirty="0" err="1"/>
+              <a:t>Ua</a:t>
+            </a:r>
+            <a:r>
+              <a:rPr lang="fr-FR" sz="2000" dirty="0"/>
+              <a:t> - </a:t>
+            </a:r>
+            <a:r>
+              <a:rPr lang="fr-FR" sz="2000" dirty="0" err="1"/>
+              <a:t>Ui</a:t>
+            </a:r>
+            <a:r>
+              <a:rPr lang="fr-FR" sz="2000" dirty="0"/>
               <a:t> = RI</a:t>
             </a:r>
           </a:p>
           <a:p>
             <a:pPr lvl="1"/>
             <a:r>
-              <a:rPr lang="fr-FR" dirty="0" err="1"/>
+              <a:rPr lang="fr-FR" sz="2000" dirty="0"/>
+              <a:t>R = (</a:t>
+            </a:r>
+            <a:r>
+              <a:rPr lang="fr-FR" sz="2000" dirty="0" err="1"/>
               <a:t>Ua</a:t>
             </a:r>
             <a:r>
-              <a:rPr lang="fr-FR" dirty="0"/>
+              <a:rPr lang="fr-FR" sz="2000" dirty="0"/>
               <a:t> - </a:t>
             </a:r>
             <a:r>
-              <a:rPr lang="fr-FR" dirty="0" err="1"/>
+              <a:rPr lang="fr-FR" sz="2000" dirty="0" err="1"/>
               <a:t>Ui</a:t>
             </a:r>
             <a:r>
-              <a:rPr lang="fr-FR" dirty="0"/>
-              <a:t> = RI</a:t>
-            </a:r>
-          </a:p>
-          <a:p>
-            <a:pPr lvl="1"/>
-            <a:r>
-              <a:rPr lang="fr-FR" dirty="0"/>
-              <a:t>R = (</a:t>
-            </a:r>
-            <a:r>
-              <a:rPr lang="fr-FR" dirty="0" err="1"/>
-              <a:t>Ua</a:t>
-            </a:r>
-            <a:r>
-              <a:rPr lang="fr-FR" dirty="0"/>
-              <a:t> - </a:t>
-            </a:r>
-            <a:r>
-              <a:rPr lang="fr-FR" dirty="0" err="1"/>
-              <a:t>Ui</a:t>
-            </a:r>
-            <a:r>
-              <a:rPr lang="fr-FR" dirty="0"/>
+              <a:rPr lang="fr-FR" sz="2000" dirty="0"/>
               <a:t>) / I</a:t>
             </a:r>
           </a:p>
           <a:p>
             <a:pPr lvl="1"/>
             <a:r>
-              <a:rPr lang="fr-FR" dirty="0"/>
-              <a:t>R = (3.3 - 2.2) / 0.02</a:t>
-            </a:r>
-          </a:p>
-          <a:p>
-            <a:pPr lvl="1"/>
-            <a:r>
-              <a:rPr lang="fr-FR" dirty="0"/>
-              <a:t>R = 55 Ohm +/- 5 Ohm</a:t>
+              <a:rPr lang="fr-FR" sz="2000" dirty="0"/>
+              <a:t>R = (3.3 - 2) / 0.02</a:t>
+            </a:r>
+          </a:p>
+          <a:p>
+            <a:pPr lvl="1"/>
+            <a:r>
+              <a:rPr lang="fr-FR" sz="2000" dirty="0"/>
+              <a:t>R = 65 Ohm +/- 7 Ohm +/- 5%</a:t>
             </a:r>
           </a:p>
         </p:txBody>
@@ -7902,7 +8215,7 @@
         </p:blipFill>
         <p:spPr bwMode="auto">
           <a:xfrm>
-            <a:off x="6868188" y="3933056"/>
+            <a:off x="6994617" y="4468527"/>
             <a:ext cx="2149383" cy="2376264"/>
           </a:xfrm>
           <a:prstGeom prst="rect">
